--- a/MLS.pptx
+++ b/MLS.pptx
@@ -27,20 +27,22 @@
     <p:sldId id="272" r:id="rId23"/>
     <p:sldId id="273" r:id="rId24"/>
     <p:sldId id="274" r:id="rId25"/>
+    <p:sldId id="275" r:id="rId26"/>
+    <p:sldId id="276" r:id="rId27"/>
   </p:sldIdLst>
   <p:sldSz cy="5143500" cx="9144000"/>
   <p:notesSz cx="6858000" cy="9144000"/>
   <p:embeddedFontLst>
     <p:embeddedFont>
       <p:font typeface="Roboto"/>
-      <p:regular r:id="rId26"/>
-      <p:bold r:id="rId27"/>
-      <p:italic r:id="rId28"/>
-      <p:boldItalic r:id="rId29"/>
+      <p:regular r:id="rId28"/>
+      <p:bold r:id="rId29"/>
+      <p:italic r:id="rId30"/>
+      <p:boldItalic r:id="rId31"/>
     </p:embeddedFont>
     <p:embeddedFont>
       <p:font typeface="Average"/>
-      <p:regular r:id="rId30"/>
+      <p:regular r:id="rId32"/>
     </p:embeddedFont>
   </p:embeddedFontLst>
   <p:defaultTextStyle>
@@ -821,7 +823,7 @@
   <p:cSld>
     <p:spTree>
       <p:nvGrpSpPr>
-        <p:cNvPr id="138" name="Shape 138"/>
+        <p:cNvPr id="139" name="Shape 139"/>
         <p:cNvGrpSpPr/>
         <p:nvPr/>
       </p:nvGrpSpPr>
@@ -835,7 +837,7 @@
       </p:grpSpPr>
       <p:sp>
         <p:nvSpPr>
-          <p:cNvPr id="139" name="Google Shape;139;g2ee3b44b77f_0_424:notes"/>
+          <p:cNvPr id="140" name="Google Shape;140;g2ee3b44b77f_0_424:notes"/>
           <p:cNvSpPr/>
           <p:nvPr>
             <p:ph idx="2" type="sldImg"/>
@@ -870,7 +872,7 @@
       </p:sp>
       <p:sp>
         <p:nvSpPr>
-          <p:cNvPr id="140" name="Google Shape;140;g2ee3b44b77f_0_424:notes"/>
+          <p:cNvPr id="141" name="Google Shape;141;g2ee3b44b77f_0_424:notes"/>
           <p:cNvSpPr txBox="1"/>
           <p:nvPr>
             <p:ph idx="1" type="body"/>
@@ -920,7 +922,7 @@
   <p:cSld>
     <p:spTree>
       <p:nvGrpSpPr>
-        <p:cNvPr id="145" name="Shape 145"/>
+        <p:cNvPr id="146" name="Shape 146"/>
         <p:cNvGrpSpPr/>
         <p:nvPr/>
       </p:nvGrpSpPr>
@@ -934,7 +936,7 @@
       </p:grpSpPr>
       <p:sp>
         <p:nvSpPr>
-          <p:cNvPr id="146" name="Google Shape;146;g2ee3b44b77f_0_432:notes"/>
+          <p:cNvPr id="147" name="Google Shape;147;g2ee3b44b77f_0_432:notes"/>
           <p:cNvSpPr/>
           <p:nvPr>
             <p:ph idx="2" type="sldImg"/>
@@ -969,7 +971,7 @@
       </p:sp>
       <p:sp>
         <p:nvSpPr>
-          <p:cNvPr id="147" name="Google Shape;147;g2ee3b44b77f_0_432:notes"/>
+          <p:cNvPr id="148" name="Google Shape;148;g2ee3b44b77f_0_432:notes"/>
           <p:cNvSpPr txBox="1"/>
           <p:nvPr>
             <p:ph idx="1" type="body"/>
@@ -1019,7 +1021,7 @@
   <p:cSld>
     <p:spTree>
       <p:nvGrpSpPr>
-        <p:cNvPr id="152" name="Shape 152"/>
+        <p:cNvPr id="153" name="Shape 153"/>
         <p:cNvGrpSpPr/>
         <p:nvPr/>
       </p:nvGrpSpPr>
@@ -1033,7 +1035,7 @@
       </p:grpSpPr>
       <p:sp>
         <p:nvSpPr>
-          <p:cNvPr id="153" name="Google Shape;153;g2ee3b44b77f_0_438:notes"/>
+          <p:cNvPr id="154" name="Google Shape;154;g2ee3b44b77f_0_495:notes"/>
           <p:cNvSpPr/>
           <p:nvPr>
             <p:ph idx="2" type="sldImg"/>
@@ -1068,7 +1070,7 @@
       </p:sp>
       <p:sp>
         <p:nvSpPr>
-          <p:cNvPr id="154" name="Google Shape;154;g2ee3b44b77f_0_438:notes"/>
+          <p:cNvPr id="155" name="Google Shape;155;g2ee3b44b77f_0_495:notes"/>
           <p:cNvSpPr txBox="1"/>
           <p:nvPr>
             <p:ph idx="1" type="body"/>
@@ -1118,7 +1120,7 @@
   <p:cSld>
     <p:spTree>
       <p:nvGrpSpPr>
-        <p:cNvPr id="159" name="Shape 159"/>
+        <p:cNvPr id="161" name="Shape 161"/>
         <p:cNvGrpSpPr/>
         <p:nvPr/>
       </p:nvGrpSpPr>
@@ -1132,7 +1134,7 @@
       </p:grpSpPr>
       <p:sp>
         <p:nvSpPr>
-          <p:cNvPr id="160" name="Google Shape;160;g2ee3b44b77f_0_444:notes"/>
+          <p:cNvPr id="162" name="Google Shape;162;g2ee3b44b77f_0_438:notes"/>
           <p:cNvSpPr/>
           <p:nvPr>
             <p:ph idx="2" type="sldImg"/>
@@ -1167,7 +1169,7 @@
       </p:sp>
       <p:sp>
         <p:nvSpPr>
-          <p:cNvPr id="161" name="Google Shape;161;g2ee3b44b77f_0_444:notes"/>
+          <p:cNvPr id="163" name="Google Shape;163;g2ee3b44b77f_0_438:notes"/>
           <p:cNvSpPr txBox="1"/>
           <p:nvPr>
             <p:ph idx="1" type="body"/>
@@ -1217,7 +1219,7 @@
   <p:cSld>
     <p:spTree>
       <p:nvGrpSpPr>
-        <p:cNvPr id="165" name="Shape 165"/>
+        <p:cNvPr id="168" name="Shape 168"/>
         <p:cNvGrpSpPr/>
         <p:nvPr/>
       </p:nvGrpSpPr>
@@ -1231,7 +1233,7 @@
       </p:grpSpPr>
       <p:sp>
         <p:nvSpPr>
-          <p:cNvPr id="166" name="Google Shape;166;g2ee3b44b77f_0_451:notes"/>
+          <p:cNvPr id="169" name="Google Shape;169;g2ee3b44b77f_0_444:notes"/>
           <p:cNvSpPr/>
           <p:nvPr>
             <p:ph idx="2" type="sldImg"/>
@@ -1266,7 +1268,7 @@
       </p:sp>
       <p:sp>
         <p:nvSpPr>
-          <p:cNvPr id="167" name="Google Shape;167;g2ee3b44b77f_0_451:notes"/>
+          <p:cNvPr id="170" name="Google Shape;170;g2ee3b44b77f_0_444:notes"/>
           <p:cNvSpPr txBox="1"/>
           <p:nvPr>
             <p:ph idx="1" type="body"/>
@@ -1330,7 +1332,7 @@
       </p:grpSpPr>
       <p:sp>
         <p:nvSpPr>
-          <p:cNvPr id="176" name="Google Shape;176;g2ee3b44b77f_0_460:notes"/>
+          <p:cNvPr id="176" name="Google Shape;176;g2ee3b44b77f_0_451:notes"/>
           <p:cNvSpPr/>
           <p:nvPr>
             <p:ph idx="2" type="sldImg"/>
@@ -1365,7 +1367,7 @@
       </p:sp>
       <p:sp>
         <p:nvSpPr>
-          <p:cNvPr id="177" name="Google Shape;177;g2ee3b44b77f_0_460:notes"/>
+          <p:cNvPr id="177" name="Google Shape;177;g2ee3b44b77f_0_451:notes"/>
           <p:cNvSpPr txBox="1"/>
           <p:nvPr>
             <p:ph idx="1" type="body"/>
@@ -1415,7 +1417,7 @@
   <p:cSld>
     <p:spTree>
       <p:nvGrpSpPr>
-        <p:cNvPr id="181" name="Shape 181"/>
+        <p:cNvPr id="185" name="Shape 185"/>
         <p:cNvGrpSpPr/>
         <p:nvPr/>
       </p:nvGrpSpPr>
@@ -1429,7 +1431,7 @@
       </p:grpSpPr>
       <p:sp>
         <p:nvSpPr>
-          <p:cNvPr id="182" name="Google Shape;182;g2ee3b44b77f_0_466:notes"/>
+          <p:cNvPr id="186" name="Google Shape;186;g2ee3b44b77f_0_460:notes"/>
           <p:cNvSpPr/>
           <p:nvPr>
             <p:ph idx="2" type="sldImg"/>
@@ -1464,7 +1466,7 @@
       </p:sp>
       <p:sp>
         <p:nvSpPr>
-          <p:cNvPr id="183" name="Google Shape;183;g2ee3b44b77f_0_466:notes"/>
+          <p:cNvPr id="187" name="Google Shape;187;g2ee3b44b77f_0_460:notes"/>
           <p:cNvSpPr txBox="1"/>
           <p:nvPr>
             <p:ph idx="1" type="body"/>
@@ -1514,7 +1516,7 @@
   <p:cSld>
     <p:spTree>
       <p:nvGrpSpPr>
-        <p:cNvPr id="189" name="Shape 189"/>
+        <p:cNvPr id="191" name="Shape 191"/>
         <p:cNvGrpSpPr/>
         <p:nvPr/>
       </p:nvGrpSpPr>
@@ -1528,7 +1530,7 @@
       </p:grpSpPr>
       <p:sp>
         <p:nvSpPr>
-          <p:cNvPr id="190" name="Google Shape;190;g2ee3b44b77f_0_473:notes"/>
+          <p:cNvPr id="192" name="Google Shape;192;g2ee3b44b77f_0_466:notes"/>
           <p:cNvSpPr/>
           <p:nvPr>
             <p:ph idx="2" type="sldImg"/>
@@ -1563,7 +1565,7 @@
       </p:sp>
       <p:sp>
         <p:nvSpPr>
-          <p:cNvPr id="191" name="Google Shape;191;g2ee3b44b77f_0_473:notes"/>
+          <p:cNvPr id="193" name="Google Shape;193;g2ee3b44b77f_0_466:notes"/>
           <p:cNvSpPr txBox="1"/>
           <p:nvPr>
             <p:ph idx="1" type="body"/>
@@ -1613,7 +1615,7 @@
   <p:cSld>
     <p:spTree>
       <p:nvGrpSpPr>
-        <p:cNvPr id="198" name="Shape 198"/>
+        <p:cNvPr id="199" name="Shape 199"/>
         <p:cNvGrpSpPr/>
         <p:nvPr/>
       </p:nvGrpSpPr>
@@ -1627,7 +1629,7 @@
       </p:grpSpPr>
       <p:sp>
         <p:nvSpPr>
-          <p:cNvPr id="199" name="Google Shape;199;g2ee3b44b77f_0_482:notes"/>
+          <p:cNvPr id="200" name="Google Shape;200;g2ee3b44b77f_0_473:notes"/>
           <p:cNvSpPr/>
           <p:nvPr>
             <p:ph idx="2" type="sldImg"/>
@@ -1662,7 +1664,7 @@
       </p:sp>
       <p:sp>
         <p:nvSpPr>
-          <p:cNvPr id="200" name="Google Shape;200;g2ee3b44b77f_0_482:notes"/>
+          <p:cNvPr id="201" name="Google Shape;201;g2ee3b44b77f_0_473:notes"/>
           <p:cNvSpPr txBox="1"/>
           <p:nvPr>
             <p:ph idx="1" type="body"/>
@@ -1712,7 +1714,7 @@
   <p:cSld>
     <p:spTree>
       <p:nvGrpSpPr>
-        <p:cNvPr id="206" name="Shape 206"/>
+        <p:cNvPr id="208" name="Shape 208"/>
         <p:cNvGrpSpPr/>
         <p:nvPr/>
       </p:nvGrpSpPr>
@@ -1726,7 +1728,7 @@
       </p:grpSpPr>
       <p:sp>
         <p:nvSpPr>
-          <p:cNvPr id="207" name="Google Shape;207;g2ee3b44b77f_0_489:notes"/>
+          <p:cNvPr id="209" name="Google Shape;209;g2ee3b44b77f_0_482:notes"/>
           <p:cNvSpPr/>
           <p:nvPr>
             <p:ph idx="2" type="sldImg"/>
@@ -1761,7 +1763,7 @@
       </p:sp>
       <p:sp>
         <p:nvSpPr>
-          <p:cNvPr id="208" name="Google Shape;208;g2ee3b44b77f_0_489:notes"/>
+          <p:cNvPr id="210" name="Google Shape;210;g2ee3b44b77f_0_482:notes"/>
           <p:cNvSpPr txBox="1"/>
           <p:nvPr>
             <p:ph idx="1" type="body"/>
@@ -1811,7 +1813,7 @@
   <p:cSld>
     <p:spTree>
       <p:nvGrpSpPr>
-        <p:cNvPr id="87" name="Shape 87"/>
+        <p:cNvPr id="88" name="Shape 88"/>
         <p:cNvGrpSpPr/>
         <p:nvPr/>
       </p:nvGrpSpPr>
@@ -1825,7 +1827,7 @@
       </p:grpSpPr>
       <p:sp>
         <p:nvSpPr>
-          <p:cNvPr id="88" name="Google Shape;88;g2ee3b44b77f_0_362:notes"/>
+          <p:cNvPr id="89" name="Google Shape;89;g2ee3b44b77f_0_362:notes"/>
           <p:cNvSpPr/>
           <p:nvPr>
             <p:ph idx="2" type="sldImg"/>
@@ -1860,7 +1862,7 @@
       </p:sp>
       <p:sp>
         <p:nvSpPr>
-          <p:cNvPr id="89" name="Google Shape;89;g2ee3b44b77f_0_362:notes"/>
+          <p:cNvPr id="90" name="Google Shape;90;g2ee3b44b77f_0_362:notes"/>
           <p:cNvSpPr txBox="1"/>
           <p:nvPr>
             <p:ph idx="1" type="body"/>
@@ -1922,12 +1924,12 @@
 </p:notes>
 </file>
 
-<file path=ppt/notesSlides/notesSlide3.xml><?xml version="1.0" encoding="utf-8"?>
+<file path=ppt/notesSlides/notesSlide20.xml><?xml version="1.0" encoding="utf-8"?>
 <p:notes xmlns:a="http://schemas.openxmlformats.org/drawingml/2006/main" xmlns:r="http://schemas.openxmlformats.org/officeDocument/2006/relationships" xmlns:mc="http://schemas.openxmlformats.org/markup-compatibility/2006" xmlns:mv="urn:schemas-microsoft-com:mac:vml" xmlns:p="http://schemas.openxmlformats.org/presentationml/2006/main" xmlns:c="http://schemas.openxmlformats.org/drawingml/2006/chart" xmlns:dgm="http://schemas.openxmlformats.org/drawingml/2006/diagram" xmlns:o="urn:schemas-microsoft-com:office:office" xmlns:v="urn:schemas-microsoft-com:vml" xmlns:pvml="urn:schemas-microsoft-com:office:powerpoint" xmlns:com="http://schemas.openxmlformats.org/drawingml/2006/compatibility" xmlns:p14="http://schemas.microsoft.com/office/powerpoint/2010/main" xmlns:p15="http://schemas.microsoft.com/office/powerpoint/2012/main" xmlns:ahyp="http://schemas.microsoft.com/office/drawing/2018/hyperlinkcolor" showMasterPhAnim="0" showMasterSp="0">
   <p:cSld>
     <p:spTree>
       <p:nvGrpSpPr>
-        <p:cNvPr id="93" name="Shape 93"/>
+        <p:cNvPr id="216" name="Shape 216"/>
         <p:cNvGrpSpPr/>
         <p:nvPr/>
       </p:nvGrpSpPr>
@@ -1941,7 +1943,7 @@
       </p:grpSpPr>
       <p:sp>
         <p:nvSpPr>
-          <p:cNvPr id="94" name="Google Shape;94;g2ee3b44b77f_0_368:notes"/>
+          <p:cNvPr id="217" name="Google Shape;217;g2ee3b44b77f_0_489:notes"/>
           <p:cNvSpPr/>
           <p:nvPr>
             <p:ph idx="2" type="sldImg"/>
@@ -1976,7 +1978,7 @@
       </p:sp>
       <p:sp>
         <p:nvSpPr>
-          <p:cNvPr id="95" name="Google Shape;95;g2ee3b44b77f_0_368:notes"/>
+          <p:cNvPr id="218" name="Google Shape;218;g2ee3b44b77f_0_489:notes"/>
           <p:cNvSpPr txBox="1"/>
           <p:nvPr>
             <p:ph idx="1" type="body"/>
@@ -2021,12 +2023,12 @@
 </p:notes>
 </file>
 
-<file path=ppt/notesSlides/notesSlide4.xml><?xml version="1.0" encoding="utf-8"?>
+<file path=ppt/notesSlides/notesSlide21.xml><?xml version="1.0" encoding="utf-8"?>
 <p:notes xmlns:a="http://schemas.openxmlformats.org/drawingml/2006/main" xmlns:r="http://schemas.openxmlformats.org/officeDocument/2006/relationships" xmlns:mc="http://schemas.openxmlformats.org/markup-compatibility/2006" xmlns:mv="urn:schemas-microsoft-com:mac:vml" xmlns:p="http://schemas.openxmlformats.org/presentationml/2006/main" xmlns:c="http://schemas.openxmlformats.org/drawingml/2006/chart" xmlns:dgm="http://schemas.openxmlformats.org/drawingml/2006/diagram" xmlns:o="urn:schemas-microsoft-com:office:office" xmlns:v="urn:schemas-microsoft-com:vml" xmlns:pvml="urn:schemas-microsoft-com:office:powerpoint" xmlns:com="http://schemas.openxmlformats.org/drawingml/2006/compatibility" xmlns:p14="http://schemas.microsoft.com/office/powerpoint/2010/main" xmlns:p15="http://schemas.microsoft.com/office/powerpoint/2012/main" xmlns:ahyp="http://schemas.microsoft.com/office/drawing/2018/hyperlinkcolor" showMasterPhAnim="0" showMasterSp="0">
   <p:cSld>
     <p:spTree>
       <p:nvGrpSpPr>
-        <p:cNvPr id="99" name="Shape 99"/>
+        <p:cNvPr id="222" name="Shape 222"/>
         <p:cNvGrpSpPr/>
         <p:nvPr/>
       </p:nvGrpSpPr>
@@ -2040,7 +2042,7 @@
       </p:grpSpPr>
       <p:sp>
         <p:nvSpPr>
-          <p:cNvPr id="100" name="Google Shape;100;g2ee3b44b77f_0_374:notes"/>
+          <p:cNvPr id="223" name="Google Shape;223;g279b7c925da_0_0:notes"/>
           <p:cNvSpPr/>
           <p:nvPr>
             <p:ph idx="2" type="sldImg"/>
@@ -2075,7 +2077,7 @@
       </p:sp>
       <p:sp>
         <p:nvSpPr>
-          <p:cNvPr id="101" name="Google Shape;101;g2ee3b44b77f_0_374:notes"/>
+          <p:cNvPr id="224" name="Google Shape;224;g279b7c925da_0_0:notes"/>
           <p:cNvSpPr txBox="1"/>
           <p:nvPr>
             <p:ph idx="1" type="body"/>
@@ -2120,12 +2122,12 @@
 </p:notes>
 </file>
 
-<file path=ppt/notesSlides/notesSlide5.xml><?xml version="1.0" encoding="utf-8"?>
+<file path=ppt/notesSlides/notesSlide3.xml><?xml version="1.0" encoding="utf-8"?>
 <p:notes xmlns:a="http://schemas.openxmlformats.org/drawingml/2006/main" xmlns:r="http://schemas.openxmlformats.org/officeDocument/2006/relationships" xmlns:mc="http://schemas.openxmlformats.org/markup-compatibility/2006" xmlns:mv="urn:schemas-microsoft-com:mac:vml" xmlns:p="http://schemas.openxmlformats.org/presentationml/2006/main" xmlns:c="http://schemas.openxmlformats.org/drawingml/2006/chart" xmlns:dgm="http://schemas.openxmlformats.org/drawingml/2006/diagram" xmlns:o="urn:schemas-microsoft-com:office:office" xmlns:v="urn:schemas-microsoft-com:vml" xmlns:pvml="urn:schemas-microsoft-com:office:powerpoint" xmlns:com="http://schemas.openxmlformats.org/drawingml/2006/compatibility" xmlns:p14="http://schemas.microsoft.com/office/powerpoint/2010/main" xmlns:p15="http://schemas.microsoft.com/office/powerpoint/2012/main" xmlns:ahyp="http://schemas.microsoft.com/office/drawing/2018/hyperlinkcolor" showMasterPhAnim="0" showMasterSp="0">
   <p:cSld>
     <p:spTree>
       <p:nvGrpSpPr>
-        <p:cNvPr id="105" name="Shape 105"/>
+        <p:cNvPr id="94" name="Shape 94"/>
         <p:cNvGrpSpPr/>
         <p:nvPr/>
       </p:nvGrpSpPr>
@@ -2139,7 +2141,7 @@
       </p:grpSpPr>
       <p:sp>
         <p:nvSpPr>
-          <p:cNvPr id="106" name="Google Shape;106;g2ee3b44b77f_0_384:notes"/>
+          <p:cNvPr id="95" name="Google Shape;95;g2ee3b44b77f_0_368:notes"/>
           <p:cNvSpPr/>
           <p:nvPr>
             <p:ph idx="2" type="sldImg"/>
@@ -2174,7 +2176,7 @@
       </p:sp>
       <p:sp>
         <p:nvSpPr>
-          <p:cNvPr id="107" name="Google Shape;107;g2ee3b44b77f_0_384:notes"/>
+          <p:cNvPr id="96" name="Google Shape;96;g2ee3b44b77f_0_368:notes"/>
           <p:cNvSpPr txBox="1"/>
           <p:nvPr>
             <p:ph idx="1" type="body"/>
@@ -2219,12 +2221,12 @@
 </p:notes>
 </file>
 
-<file path=ppt/notesSlides/notesSlide6.xml><?xml version="1.0" encoding="utf-8"?>
+<file path=ppt/notesSlides/notesSlide4.xml><?xml version="1.0" encoding="utf-8"?>
 <p:notes xmlns:a="http://schemas.openxmlformats.org/drawingml/2006/main" xmlns:r="http://schemas.openxmlformats.org/officeDocument/2006/relationships" xmlns:mc="http://schemas.openxmlformats.org/markup-compatibility/2006" xmlns:mv="urn:schemas-microsoft-com:mac:vml" xmlns:p="http://schemas.openxmlformats.org/presentationml/2006/main" xmlns:c="http://schemas.openxmlformats.org/drawingml/2006/chart" xmlns:dgm="http://schemas.openxmlformats.org/drawingml/2006/diagram" xmlns:o="urn:schemas-microsoft-com:office:office" xmlns:v="urn:schemas-microsoft-com:vml" xmlns:pvml="urn:schemas-microsoft-com:office:powerpoint" xmlns:com="http://schemas.openxmlformats.org/drawingml/2006/compatibility" xmlns:p14="http://schemas.microsoft.com/office/powerpoint/2010/main" xmlns:p15="http://schemas.microsoft.com/office/powerpoint/2012/main" xmlns:ahyp="http://schemas.microsoft.com/office/drawing/2018/hyperlinkcolor" showMasterPhAnim="0" showMasterSp="0">
   <p:cSld>
     <p:spTree>
       <p:nvGrpSpPr>
-        <p:cNvPr id="111" name="Shape 111"/>
+        <p:cNvPr id="100" name="Shape 100"/>
         <p:cNvGrpSpPr/>
         <p:nvPr/>
       </p:nvGrpSpPr>
@@ -2238,7 +2240,7 @@
       </p:grpSpPr>
       <p:sp>
         <p:nvSpPr>
-          <p:cNvPr id="112" name="Google Shape;112;g2ee3b44b77f_0_390:notes"/>
+          <p:cNvPr id="101" name="Google Shape;101;g2ee3b44b77f_0_374:notes"/>
           <p:cNvSpPr/>
           <p:nvPr>
             <p:ph idx="2" type="sldImg"/>
@@ -2273,7 +2275,7 @@
       </p:sp>
       <p:sp>
         <p:nvSpPr>
-          <p:cNvPr id="113" name="Google Shape;113;g2ee3b44b77f_0_390:notes"/>
+          <p:cNvPr id="102" name="Google Shape;102;g2ee3b44b77f_0_374:notes"/>
           <p:cNvSpPr txBox="1"/>
           <p:nvPr>
             <p:ph idx="1" type="body"/>
@@ -2318,12 +2320,12 @@
 </p:notes>
 </file>
 
-<file path=ppt/notesSlides/notesSlide7.xml><?xml version="1.0" encoding="utf-8"?>
+<file path=ppt/notesSlides/notesSlide5.xml><?xml version="1.0" encoding="utf-8"?>
 <p:notes xmlns:a="http://schemas.openxmlformats.org/drawingml/2006/main" xmlns:r="http://schemas.openxmlformats.org/officeDocument/2006/relationships" xmlns:mc="http://schemas.openxmlformats.org/markup-compatibility/2006" xmlns:mv="urn:schemas-microsoft-com:mac:vml" xmlns:p="http://schemas.openxmlformats.org/presentationml/2006/main" xmlns:c="http://schemas.openxmlformats.org/drawingml/2006/chart" xmlns:dgm="http://schemas.openxmlformats.org/drawingml/2006/diagram" xmlns:o="urn:schemas-microsoft-com:office:office" xmlns:v="urn:schemas-microsoft-com:vml" xmlns:pvml="urn:schemas-microsoft-com:office:powerpoint" xmlns:com="http://schemas.openxmlformats.org/drawingml/2006/compatibility" xmlns:p14="http://schemas.microsoft.com/office/powerpoint/2010/main" xmlns:p15="http://schemas.microsoft.com/office/powerpoint/2012/main" xmlns:ahyp="http://schemas.microsoft.com/office/drawing/2018/hyperlinkcolor" showMasterPhAnim="0" showMasterSp="0">
   <p:cSld>
     <p:spTree>
       <p:nvGrpSpPr>
-        <p:cNvPr id="117" name="Shape 117"/>
+        <p:cNvPr id="106" name="Shape 106"/>
         <p:cNvGrpSpPr/>
         <p:nvPr/>
       </p:nvGrpSpPr>
@@ -2337,7 +2339,7 @@
       </p:grpSpPr>
       <p:sp>
         <p:nvSpPr>
-          <p:cNvPr id="118" name="Google Shape;118;g2ee3b44b77f_0_396:notes"/>
+          <p:cNvPr id="107" name="Google Shape;107;g2ee3b44b77f_0_384:notes"/>
           <p:cNvSpPr/>
           <p:nvPr>
             <p:ph idx="2" type="sldImg"/>
@@ -2372,7 +2374,7 @@
       </p:sp>
       <p:sp>
         <p:nvSpPr>
-          <p:cNvPr id="119" name="Google Shape;119;g2ee3b44b77f_0_396:notes"/>
+          <p:cNvPr id="108" name="Google Shape;108;g2ee3b44b77f_0_384:notes"/>
           <p:cNvSpPr txBox="1"/>
           <p:nvPr>
             <p:ph idx="1" type="body"/>
@@ -2417,12 +2419,12 @@
 </p:notes>
 </file>
 
-<file path=ppt/notesSlides/notesSlide8.xml><?xml version="1.0" encoding="utf-8"?>
+<file path=ppt/notesSlides/notesSlide6.xml><?xml version="1.0" encoding="utf-8"?>
 <p:notes xmlns:a="http://schemas.openxmlformats.org/drawingml/2006/main" xmlns:r="http://schemas.openxmlformats.org/officeDocument/2006/relationships" xmlns:mc="http://schemas.openxmlformats.org/markup-compatibility/2006" xmlns:mv="urn:schemas-microsoft-com:mac:vml" xmlns:p="http://schemas.openxmlformats.org/presentationml/2006/main" xmlns:c="http://schemas.openxmlformats.org/drawingml/2006/chart" xmlns:dgm="http://schemas.openxmlformats.org/drawingml/2006/diagram" xmlns:o="urn:schemas-microsoft-com:office:office" xmlns:v="urn:schemas-microsoft-com:vml" xmlns:pvml="urn:schemas-microsoft-com:office:powerpoint" xmlns:com="http://schemas.openxmlformats.org/drawingml/2006/compatibility" xmlns:p14="http://schemas.microsoft.com/office/powerpoint/2010/main" xmlns:p15="http://schemas.microsoft.com/office/powerpoint/2012/main" xmlns:ahyp="http://schemas.microsoft.com/office/drawing/2018/hyperlinkcolor" showMasterPhAnim="0" showMasterSp="0">
   <p:cSld>
     <p:spTree>
       <p:nvGrpSpPr>
-        <p:cNvPr id="124" name="Shape 124"/>
+        <p:cNvPr id="112" name="Shape 112"/>
         <p:cNvGrpSpPr/>
         <p:nvPr/>
       </p:nvGrpSpPr>
@@ -2436,7 +2438,7 @@
       </p:grpSpPr>
       <p:sp>
         <p:nvSpPr>
-          <p:cNvPr id="125" name="Google Shape;125;g2ee3b44b77f_0_406:notes"/>
+          <p:cNvPr id="113" name="Google Shape;113;g2ee3b44b77f_0_390:notes"/>
           <p:cNvSpPr/>
           <p:nvPr>
             <p:ph idx="2" type="sldImg"/>
@@ -2471,7 +2473,7 @@
       </p:sp>
       <p:sp>
         <p:nvSpPr>
-          <p:cNvPr id="126" name="Google Shape;126;g2ee3b44b77f_0_406:notes"/>
+          <p:cNvPr id="114" name="Google Shape;114;g2ee3b44b77f_0_390:notes"/>
           <p:cNvSpPr txBox="1"/>
           <p:nvPr>
             <p:ph idx="1" type="body"/>
@@ -2516,12 +2518,12 @@
 </p:notes>
 </file>
 
-<file path=ppt/notesSlides/notesSlide9.xml><?xml version="1.0" encoding="utf-8"?>
+<file path=ppt/notesSlides/notesSlide7.xml><?xml version="1.0" encoding="utf-8"?>
 <p:notes xmlns:a="http://schemas.openxmlformats.org/drawingml/2006/main" xmlns:r="http://schemas.openxmlformats.org/officeDocument/2006/relationships" xmlns:mc="http://schemas.openxmlformats.org/markup-compatibility/2006" xmlns:mv="urn:schemas-microsoft-com:mac:vml" xmlns:p="http://schemas.openxmlformats.org/presentationml/2006/main" xmlns:c="http://schemas.openxmlformats.org/drawingml/2006/chart" xmlns:dgm="http://schemas.openxmlformats.org/drawingml/2006/diagram" xmlns:o="urn:schemas-microsoft-com:office:office" xmlns:v="urn:schemas-microsoft-com:vml" xmlns:pvml="urn:schemas-microsoft-com:office:powerpoint" xmlns:com="http://schemas.openxmlformats.org/drawingml/2006/compatibility" xmlns:p14="http://schemas.microsoft.com/office/powerpoint/2010/main" xmlns:p15="http://schemas.microsoft.com/office/powerpoint/2012/main" xmlns:ahyp="http://schemas.microsoft.com/office/drawing/2018/hyperlinkcolor" showMasterPhAnim="0" showMasterSp="0">
   <p:cSld>
     <p:spTree>
       <p:nvGrpSpPr>
-        <p:cNvPr id="131" name="Shape 131"/>
+        <p:cNvPr id="118" name="Shape 118"/>
         <p:cNvGrpSpPr/>
         <p:nvPr/>
       </p:nvGrpSpPr>
@@ -2535,7 +2537,7 @@
       </p:grpSpPr>
       <p:sp>
         <p:nvSpPr>
-          <p:cNvPr id="132" name="Google Shape;132;g2ee3b44b77f_0_418:notes"/>
+          <p:cNvPr id="119" name="Google Shape;119;g2ee3b44b77f_0_396:notes"/>
           <p:cNvSpPr/>
           <p:nvPr>
             <p:ph idx="2" type="sldImg"/>
@@ -2570,7 +2572,205 @@
       </p:sp>
       <p:sp>
         <p:nvSpPr>
+          <p:cNvPr id="120" name="Google Shape;120;g2ee3b44b77f_0_396:notes"/>
+          <p:cNvSpPr txBox="1"/>
+          <p:nvPr>
+            <p:ph idx="1" type="body"/>
+          </p:nvPr>
+        </p:nvSpPr>
+        <p:spPr>
+          <a:xfrm>
+            <a:off x="685800" y="4343400"/>
+            <a:ext cx="5486400" cy="4114800"/>
+          </a:xfrm>
+          <a:prstGeom prst="rect">
+            <a:avLst/>
+          </a:prstGeom>
+        </p:spPr>
+        <p:txBody>
+          <a:bodyPr anchorCtr="0" anchor="t" bIns="91425" lIns="91425" spcFirstLastPara="1" rIns="91425" wrap="square" tIns="91425">
+            <a:noAutofit/>
+          </a:bodyPr>
+          <a:lstStyle/>
+          <a:p>
+            <a:pPr indent="0" lvl="0" marL="0" rtl="0" algn="l">
+              <a:spcBef>
+                <a:spcPts val="0"/>
+              </a:spcBef>
+              <a:spcAft>
+                <a:spcPts val="0"/>
+              </a:spcAft>
+              <a:buNone/>
+            </a:pPr>
+            <a:r>
+              <a:t/>
+            </a:r>
+            <a:endParaRPr/>
+          </a:p>
+        </p:txBody>
+      </p:sp>
+    </p:spTree>
+  </p:cSld>
+  <p:clrMapOvr>
+    <a:masterClrMapping/>
+  </p:clrMapOvr>
+</p:notes>
+</file>
+
+<file path=ppt/notesSlides/notesSlide8.xml><?xml version="1.0" encoding="utf-8"?>
+<p:notes xmlns:a="http://schemas.openxmlformats.org/drawingml/2006/main" xmlns:r="http://schemas.openxmlformats.org/officeDocument/2006/relationships" xmlns:mc="http://schemas.openxmlformats.org/markup-compatibility/2006" xmlns:mv="urn:schemas-microsoft-com:mac:vml" xmlns:p="http://schemas.openxmlformats.org/presentationml/2006/main" xmlns:c="http://schemas.openxmlformats.org/drawingml/2006/chart" xmlns:dgm="http://schemas.openxmlformats.org/drawingml/2006/diagram" xmlns:o="urn:schemas-microsoft-com:office:office" xmlns:v="urn:schemas-microsoft-com:vml" xmlns:pvml="urn:schemas-microsoft-com:office:powerpoint" xmlns:com="http://schemas.openxmlformats.org/drawingml/2006/compatibility" xmlns:p14="http://schemas.microsoft.com/office/powerpoint/2010/main" xmlns:p15="http://schemas.microsoft.com/office/powerpoint/2012/main" xmlns:ahyp="http://schemas.microsoft.com/office/drawing/2018/hyperlinkcolor" showMasterPhAnim="0" showMasterSp="0">
+  <p:cSld>
+    <p:spTree>
+      <p:nvGrpSpPr>
+        <p:cNvPr id="125" name="Shape 125"/>
+        <p:cNvGrpSpPr/>
+        <p:nvPr/>
+      </p:nvGrpSpPr>
+      <p:grpSpPr>
+        <a:xfrm>
+          <a:off x="0" y="0"/>
+          <a:ext cx="0" cy="0"/>
+          <a:chOff x="0" y="0"/>
+          <a:chExt cx="0" cy="0"/>
+        </a:xfrm>
+      </p:grpSpPr>
+      <p:sp>
+        <p:nvSpPr>
+          <p:cNvPr id="126" name="Google Shape;126;g2ee3b44b77f_0_406:notes"/>
+          <p:cNvSpPr/>
+          <p:nvPr>
+            <p:ph idx="2" type="sldImg"/>
+          </p:nvPr>
+        </p:nvSpPr>
+        <p:spPr>
+          <a:xfrm>
+            <a:off x="381300" y="685800"/>
+            <a:ext cx="6096000" cy="3429000"/>
+          </a:xfrm>
+          <a:custGeom>
+            <a:rect b="b" l="l" r="r" t="t"/>
+            <a:pathLst>
+              <a:path extrusionOk="0" h="120000" w="120000">
+                <a:moveTo>
+                  <a:pt x="0" y="0"/>
+                </a:moveTo>
+                <a:lnTo>
+                  <a:pt x="120000" y="0"/>
+                </a:lnTo>
+                <a:lnTo>
+                  <a:pt x="120000" y="120000"/>
+                </a:lnTo>
+                <a:lnTo>
+                  <a:pt x="0" y="120000"/>
+                </a:lnTo>
+                <a:close/>
+              </a:path>
+            </a:pathLst>
+          </a:custGeom>
+        </p:spPr>
+      </p:sp>
+      <p:sp>
+        <p:nvSpPr>
+          <p:cNvPr id="127" name="Google Shape;127;g2ee3b44b77f_0_406:notes"/>
+          <p:cNvSpPr txBox="1"/>
+          <p:nvPr>
+            <p:ph idx="1" type="body"/>
+          </p:nvPr>
+        </p:nvSpPr>
+        <p:spPr>
+          <a:xfrm>
+            <a:off x="685800" y="4343400"/>
+            <a:ext cx="5486400" cy="4114800"/>
+          </a:xfrm>
+          <a:prstGeom prst="rect">
+            <a:avLst/>
+          </a:prstGeom>
+        </p:spPr>
+        <p:txBody>
+          <a:bodyPr anchorCtr="0" anchor="t" bIns="91425" lIns="91425" spcFirstLastPara="1" rIns="91425" wrap="square" tIns="91425">
+            <a:noAutofit/>
+          </a:bodyPr>
+          <a:lstStyle/>
+          <a:p>
+            <a:pPr indent="0" lvl="0" marL="0" rtl="0" algn="l">
+              <a:spcBef>
+                <a:spcPts val="0"/>
+              </a:spcBef>
+              <a:spcAft>
+                <a:spcPts val="0"/>
+              </a:spcAft>
+              <a:buNone/>
+            </a:pPr>
+            <a:r>
+              <a:t/>
+            </a:r>
+            <a:endParaRPr/>
+          </a:p>
+        </p:txBody>
+      </p:sp>
+    </p:spTree>
+  </p:cSld>
+  <p:clrMapOvr>
+    <a:masterClrMapping/>
+  </p:clrMapOvr>
+</p:notes>
+</file>
+
+<file path=ppt/notesSlides/notesSlide9.xml><?xml version="1.0" encoding="utf-8"?>
+<p:notes xmlns:a="http://schemas.openxmlformats.org/drawingml/2006/main" xmlns:r="http://schemas.openxmlformats.org/officeDocument/2006/relationships" xmlns:mc="http://schemas.openxmlformats.org/markup-compatibility/2006" xmlns:mv="urn:schemas-microsoft-com:mac:vml" xmlns:p="http://schemas.openxmlformats.org/presentationml/2006/main" xmlns:c="http://schemas.openxmlformats.org/drawingml/2006/chart" xmlns:dgm="http://schemas.openxmlformats.org/drawingml/2006/diagram" xmlns:o="urn:schemas-microsoft-com:office:office" xmlns:v="urn:schemas-microsoft-com:vml" xmlns:pvml="urn:schemas-microsoft-com:office:powerpoint" xmlns:com="http://schemas.openxmlformats.org/drawingml/2006/compatibility" xmlns:p14="http://schemas.microsoft.com/office/powerpoint/2010/main" xmlns:p15="http://schemas.microsoft.com/office/powerpoint/2012/main" xmlns:ahyp="http://schemas.microsoft.com/office/drawing/2018/hyperlinkcolor" showMasterPhAnim="0" showMasterSp="0">
+  <p:cSld>
+    <p:spTree>
+      <p:nvGrpSpPr>
+        <p:cNvPr id="132" name="Shape 132"/>
+        <p:cNvGrpSpPr/>
+        <p:nvPr/>
+      </p:nvGrpSpPr>
+      <p:grpSpPr>
+        <a:xfrm>
+          <a:off x="0" y="0"/>
+          <a:ext cx="0" cy="0"/>
+          <a:chOff x="0" y="0"/>
+          <a:chExt cx="0" cy="0"/>
+        </a:xfrm>
+      </p:grpSpPr>
+      <p:sp>
+        <p:nvSpPr>
           <p:cNvPr id="133" name="Google Shape;133;g2ee3b44b77f_0_418:notes"/>
+          <p:cNvSpPr/>
+          <p:nvPr>
+            <p:ph idx="2" type="sldImg"/>
+          </p:nvPr>
+        </p:nvSpPr>
+        <p:spPr>
+          <a:xfrm>
+            <a:off x="381300" y="685800"/>
+            <a:ext cx="6096000" cy="3429000"/>
+          </a:xfrm>
+          <a:custGeom>
+            <a:rect b="b" l="l" r="r" t="t"/>
+            <a:pathLst>
+              <a:path extrusionOk="0" h="120000" w="120000">
+                <a:moveTo>
+                  <a:pt x="0" y="0"/>
+                </a:moveTo>
+                <a:lnTo>
+                  <a:pt x="120000" y="0"/>
+                </a:lnTo>
+                <a:lnTo>
+                  <a:pt x="120000" y="120000"/>
+                </a:lnTo>
+                <a:lnTo>
+                  <a:pt x="0" y="120000"/>
+                </a:lnTo>
+                <a:close/>
+              </a:path>
+            </a:pathLst>
+          </a:custGeom>
+        </p:spPr>
+      </p:sp>
+      <p:sp>
+        <p:nvSpPr>
+          <p:cNvPr id="134" name="Google Shape;134;g2ee3b44b77f_0_418:notes"/>
           <p:cNvSpPr txBox="1"/>
           <p:nvPr>
             <p:ph idx="1" type="body"/>
@@ -9242,8 +9442,8 @@
         </p:nvSpPr>
         <p:spPr>
           <a:xfrm>
-            <a:off x="358850" y="1398950"/>
-            <a:ext cx="7149300" cy="1578900"/>
+            <a:off x="371600" y="569350"/>
+            <a:ext cx="4992600" cy="1578900"/>
           </a:xfrm>
           <a:prstGeom prst="rect">
             <a:avLst/>
@@ -9266,7 +9466,15 @@
             </a:pPr>
             <a:r>
               <a:rPr lang="en-GB"/>
-              <a:t>Analyzing MLS Team Performance: A Data-Driven Approach to Predict League Positions</a:t>
+              <a:t>Predicting </a:t>
+            </a:r>
+            <a:r>
+              <a:rPr lang="en-GB"/>
+              <a:t>MLS Team League </a:t>
+            </a:r>
+            <a:r>
+              <a:rPr lang="en-GB"/>
+              <a:t>Position</a:t>
             </a:r>
             <a:endParaRPr/>
           </a:p>
@@ -9312,6 +9520,34 @@
           </a:p>
         </p:txBody>
       </p:sp>
+      <p:pic>
+        <p:nvPicPr>
+          <p:cNvPr id="87" name="Google Shape;87;p13"/>
+          <p:cNvPicPr preferRelativeResize="0"/>
+          <p:nvPr/>
+        </p:nvPicPr>
+        <p:blipFill>
+          <a:blip r:embed="rId3">
+            <a:alphaModFix/>
+          </a:blip>
+          <a:stretch>
+            <a:fillRect/>
+          </a:stretch>
+        </p:blipFill>
+        <p:spPr>
+          <a:xfrm>
+            <a:off x="5445325" y="883800"/>
+            <a:ext cx="3375900" cy="3375900"/>
+          </a:xfrm>
+          <a:prstGeom prst="rect">
+            <a:avLst/>
+          </a:prstGeom>
+          <a:noFill/>
+          <a:ln>
+            <a:noFill/>
+          </a:ln>
+        </p:spPr>
+      </p:pic>
     </p:spTree>
   </p:cSld>
   <p:clrMapOvr>
@@ -9325,7 +9561,7 @@
   <p:cSld>
     <p:spTree>
       <p:nvGrpSpPr>
-        <p:cNvPr id="141" name="Shape 141"/>
+        <p:cNvPr id="142" name="Shape 142"/>
         <p:cNvGrpSpPr/>
         <p:nvPr/>
       </p:nvGrpSpPr>
@@ -9339,7 +9575,7 @@
       </p:grpSpPr>
       <p:sp>
         <p:nvSpPr>
-          <p:cNvPr id="142" name="Google Shape;142;p22"/>
+          <p:cNvPr id="143" name="Google Shape;143;p22"/>
           <p:cNvSpPr txBox="1"/>
           <p:nvPr>
             <p:ph type="title"/>
@@ -9379,7 +9615,7 @@
       </p:sp>
       <p:graphicFrame>
         <p:nvGraphicFramePr>
-          <p:cNvPr id="143" name="Google Shape;143;p22"/>
+          <p:cNvPr id="144" name="Google Shape;144;p22"/>
           <p:cNvGraphicFramePr/>
           <p:nvPr/>
         </p:nvGraphicFramePr>
@@ -9392,7 +9628,7 @@
             <a:tbl>
               <a:tblPr>
                 <a:noFill/>
-                <a:tableStyleId>{F0C14914-2751-4B7C-8B1D-25D9759E9B05}</a:tableStyleId>
+                <a:tableStyleId>{30A6C69D-188B-493E-8994-B1240EB18F0C}</a:tableStyleId>
               </a:tblPr>
               <a:tblGrid>
                 <a:gridCol w="8068825"/>
@@ -9447,7 +9683,7 @@
       </p:graphicFrame>
       <p:pic>
         <p:nvPicPr>
-          <p:cNvPr id="144" name="Google Shape;144;p22"/>
+          <p:cNvPr id="145" name="Google Shape;145;p22"/>
           <p:cNvPicPr preferRelativeResize="0"/>
           <p:nvPr/>
         </p:nvPicPr>
@@ -9486,7 +9722,7 @@
   <p:cSld>
     <p:spTree>
       <p:nvGrpSpPr>
-        <p:cNvPr id="148" name="Shape 148"/>
+        <p:cNvPr id="149" name="Shape 149"/>
         <p:cNvGrpSpPr/>
         <p:nvPr/>
       </p:nvGrpSpPr>
@@ -9500,7 +9736,7 @@
       </p:grpSpPr>
       <p:sp>
         <p:nvSpPr>
-          <p:cNvPr id="149" name="Google Shape;149;p23"/>
+          <p:cNvPr id="150" name="Google Shape;150;p23"/>
           <p:cNvSpPr txBox="1"/>
           <p:nvPr>
             <p:ph type="title"/>
@@ -9540,7 +9776,7 @@
       </p:sp>
       <p:sp>
         <p:nvSpPr>
-          <p:cNvPr id="150" name="Google Shape;150;p23"/>
+          <p:cNvPr id="151" name="Google Shape;151;p23"/>
           <p:cNvSpPr txBox="1"/>
           <p:nvPr>
             <p:ph idx="1" type="body"/>
@@ -9579,7 +9815,7 @@
       </p:sp>
       <p:pic>
         <p:nvPicPr>
-          <p:cNvPr id="151" name="Google Shape;151;p23"/>
+          <p:cNvPr id="152" name="Google Shape;152;p23"/>
           <p:cNvPicPr preferRelativeResize="0"/>
           <p:nvPr/>
         </p:nvPicPr>
@@ -9618,7 +9854,7 @@
   <p:cSld>
     <p:spTree>
       <p:nvGrpSpPr>
-        <p:cNvPr id="155" name="Shape 155"/>
+        <p:cNvPr id="156" name="Shape 156"/>
         <p:cNvGrpSpPr/>
         <p:nvPr/>
       </p:nvGrpSpPr>
@@ -9632,7 +9868,166 @@
       </p:grpSpPr>
       <p:sp>
         <p:nvSpPr>
-          <p:cNvPr id="156" name="Google Shape;156;p24"/>
+          <p:cNvPr id="157" name="Google Shape;157;p24"/>
+          <p:cNvSpPr txBox="1"/>
+          <p:nvPr>
+            <p:ph type="title"/>
+          </p:nvPr>
+        </p:nvSpPr>
+        <p:spPr>
+          <a:xfrm>
+            <a:off x="117300" y="-74750"/>
+            <a:ext cx="8520600" cy="607800"/>
+          </a:xfrm>
+          <a:prstGeom prst="rect">
+            <a:avLst/>
+          </a:prstGeom>
+        </p:spPr>
+        <p:txBody>
+          <a:bodyPr anchorCtr="0" anchor="t" bIns="91425" lIns="91425" spcFirstLastPara="1" rIns="91425" wrap="square" tIns="91425">
+            <a:normAutofit fontScale="90000"/>
+          </a:bodyPr>
+          <a:lstStyle/>
+          <a:p>
+            <a:pPr indent="0" lvl="0" marL="0" rtl="0" algn="l">
+              <a:spcBef>
+                <a:spcPts val="0"/>
+              </a:spcBef>
+              <a:spcAft>
+                <a:spcPts val="0"/>
+              </a:spcAft>
+              <a:buNone/>
+            </a:pPr>
+            <a:r>
+              <a:rPr lang="en-GB"/>
+              <a:t>Scatter Plot</a:t>
+            </a:r>
+            <a:endParaRPr/>
+          </a:p>
+        </p:txBody>
+      </p:sp>
+      <p:sp>
+        <p:nvSpPr>
+          <p:cNvPr id="158" name="Google Shape;158;p24"/>
+          <p:cNvSpPr txBox="1"/>
+          <p:nvPr>
+            <p:ph idx="1" type="body"/>
+          </p:nvPr>
+        </p:nvSpPr>
+        <p:spPr>
+          <a:xfrm>
+            <a:off x="311700" y="1229875"/>
+            <a:ext cx="8520600" cy="3339000"/>
+          </a:xfrm>
+          <a:prstGeom prst="rect">
+            <a:avLst/>
+          </a:prstGeom>
+        </p:spPr>
+        <p:txBody>
+          <a:bodyPr anchorCtr="0" anchor="t" bIns="91425" lIns="91425" spcFirstLastPara="1" rIns="91425" wrap="square" tIns="91425">
+            <a:normAutofit/>
+          </a:bodyPr>
+          <a:lstStyle/>
+          <a:p>
+            <a:pPr indent="0" lvl="0" marL="0" rtl="0" algn="l">
+              <a:spcBef>
+                <a:spcPts val="0"/>
+              </a:spcBef>
+              <a:spcAft>
+                <a:spcPts val="1200"/>
+              </a:spcAft>
+              <a:buNone/>
+            </a:pPr>
+            <a:r>
+              <a:t/>
+            </a:r>
+            <a:endParaRPr/>
+          </a:p>
+        </p:txBody>
+      </p:sp>
+      <p:pic>
+        <p:nvPicPr>
+          <p:cNvPr id="159" name="Google Shape;159;p24"/>
+          <p:cNvPicPr preferRelativeResize="0"/>
+          <p:nvPr/>
+        </p:nvPicPr>
+        <p:blipFill rotWithShape="1">
+          <a:blip r:embed="rId3">
+            <a:alphaModFix/>
+          </a:blip>
+          <a:srcRect b="2590" l="0" r="0" t="-2590"/>
+          <a:stretch/>
+        </p:blipFill>
+        <p:spPr>
+          <a:xfrm>
+            <a:off x="0" y="333925"/>
+            <a:ext cx="9001124" cy="2312575"/>
+          </a:xfrm>
+          <a:prstGeom prst="rect">
+            <a:avLst/>
+          </a:prstGeom>
+          <a:noFill/>
+          <a:ln>
+            <a:noFill/>
+          </a:ln>
+        </p:spPr>
+      </p:pic>
+      <p:pic>
+        <p:nvPicPr>
+          <p:cNvPr id="160" name="Google Shape;160;p24"/>
+          <p:cNvPicPr preferRelativeResize="0"/>
+          <p:nvPr/>
+        </p:nvPicPr>
+        <p:blipFill>
+          <a:blip r:embed="rId4">
+            <a:alphaModFix/>
+          </a:blip>
+          <a:stretch>
+            <a:fillRect/>
+          </a:stretch>
+        </p:blipFill>
+        <p:spPr>
+          <a:xfrm>
+            <a:off x="311700" y="2646500"/>
+            <a:ext cx="8629624" cy="2430499"/>
+          </a:xfrm>
+          <a:prstGeom prst="rect">
+            <a:avLst/>
+          </a:prstGeom>
+          <a:noFill/>
+          <a:ln>
+            <a:noFill/>
+          </a:ln>
+        </p:spPr>
+      </p:pic>
+    </p:spTree>
+  </p:cSld>
+  <p:clrMapOvr>
+    <a:masterClrMapping/>
+  </p:clrMapOvr>
+</p:sld>
+</file>
+
+<file path=ppt/slides/slide13.xml><?xml version="1.0" encoding="utf-8"?>
+<p:sld xmlns:a="http://schemas.openxmlformats.org/drawingml/2006/main" xmlns:r="http://schemas.openxmlformats.org/officeDocument/2006/relationships" xmlns:mc="http://schemas.openxmlformats.org/markup-compatibility/2006" xmlns:mv="urn:schemas-microsoft-com:mac:vml" xmlns:p="http://schemas.openxmlformats.org/presentationml/2006/main" xmlns:c="http://schemas.openxmlformats.org/drawingml/2006/chart" xmlns:dgm="http://schemas.openxmlformats.org/drawingml/2006/diagram" xmlns:o="urn:schemas-microsoft-com:office:office" xmlns:v="urn:schemas-microsoft-com:vml" xmlns:pvml="urn:schemas-microsoft-com:office:powerpoint" xmlns:com="http://schemas.openxmlformats.org/drawingml/2006/compatibility" xmlns:p14="http://schemas.microsoft.com/office/powerpoint/2010/main" xmlns:p15="http://schemas.microsoft.com/office/powerpoint/2012/main" xmlns:ahyp="http://schemas.microsoft.com/office/drawing/2018/hyperlinkcolor">
+  <p:cSld>
+    <p:spTree>
+      <p:nvGrpSpPr>
+        <p:cNvPr id="164" name="Shape 164"/>
+        <p:cNvGrpSpPr/>
+        <p:nvPr/>
+      </p:nvGrpSpPr>
+      <p:grpSpPr>
+        <a:xfrm>
+          <a:off x="0" y="0"/>
+          <a:ext cx="0" cy="0"/>
+          <a:chOff x="0" y="0"/>
+          <a:chExt cx="0" cy="0"/>
+        </a:xfrm>
+      </p:grpSpPr>
+      <p:sp>
+        <p:nvSpPr>
+          <p:cNvPr id="165" name="Google Shape;165;p25"/>
           <p:cNvSpPr txBox="1"/>
           <p:nvPr>
             <p:ph type="title"/>
@@ -9672,7 +10067,7 @@
       </p:sp>
       <p:sp>
         <p:nvSpPr>
-          <p:cNvPr id="157" name="Google Shape;157;p24"/>
+          <p:cNvPr id="166" name="Google Shape;166;p25"/>
           <p:cNvSpPr txBox="1"/>
           <p:nvPr>
             <p:ph idx="1" type="body"/>
@@ -9711,7 +10106,7 @@
       </p:sp>
       <p:pic>
         <p:nvPicPr>
-          <p:cNvPr id="158" name="Google Shape;158;p24"/>
+          <p:cNvPr id="167" name="Google Shape;167;p25"/>
           <p:cNvPicPr preferRelativeResize="0"/>
           <p:nvPr/>
         </p:nvPicPr>
@@ -9745,12 +10140,12 @@
 </p:sld>
 </file>
 
-<file path=ppt/slides/slide13.xml><?xml version="1.0" encoding="utf-8"?>
+<file path=ppt/slides/slide14.xml><?xml version="1.0" encoding="utf-8"?>
 <p:sld xmlns:a="http://schemas.openxmlformats.org/drawingml/2006/main" xmlns:r="http://schemas.openxmlformats.org/officeDocument/2006/relationships" xmlns:mc="http://schemas.openxmlformats.org/markup-compatibility/2006" xmlns:mv="urn:schemas-microsoft-com:mac:vml" xmlns:p="http://schemas.openxmlformats.org/presentationml/2006/main" xmlns:c="http://schemas.openxmlformats.org/drawingml/2006/chart" xmlns:dgm="http://schemas.openxmlformats.org/drawingml/2006/diagram" xmlns:o="urn:schemas-microsoft-com:office:office" xmlns:v="urn:schemas-microsoft-com:vml" xmlns:pvml="urn:schemas-microsoft-com:office:powerpoint" xmlns:com="http://schemas.openxmlformats.org/drawingml/2006/compatibility" xmlns:p14="http://schemas.microsoft.com/office/powerpoint/2010/main" xmlns:p15="http://schemas.microsoft.com/office/powerpoint/2012/main" xmlns:ahyp="http://schemas.microsoft.com/office/drawing/2018/hyperlinkcolor">
   <p:cSld>
     <p:spTree>
       <p:nvGrpSpPr>
-        <p:cNvPr id="162" name="Shape 162"/>
+        <p:cNvPr id="171" name="Shape 171"/>
         <p:cNvGrpSpPr/>
         <p:nvPr/>
       </p:nvGrpSpPr>
@@ -9764,7 +10159,7 @@
       </p:grpSpPr>
       <p:sp>
         <p:nvSpPr>
-          <p:cNvPr id="163" name="Google Shape;163;p25"/>
+          <p:cNvPr id="172" name="Google Shape;172;p26"/>
           <p:cNvSpPr txBox="1"/>
           <p:nvPr>
             <p:ph type="title"/>
@@ -9804,7 +10199,7 @@
       </p:sp>
       <p:sp>
         <p:nvSpPr>
-          <p:cNvPr id="164" name="Google Shape;164;p25"/>
+          <p:cNvPr id="173" name="Google Shape;173;p26"/>
           <p:cNvSpPr txBox="1"/>
           <p:nvPr>
             <p:ph idx="1" type="body"/>
@@ -9813,7 +10208,7 @@
         <p:spPr>
           <a:xfrm>
             <a:off x="311700" y="1229875"/>
-            <a:ext cx="8520600" cy="3339000"/>
+            <a:ext cx="5272800" cy="3339000"/>
           </a:xfrm>
           <a:prstGeom prst="rect">
             <a:avLst/>
@@ -9821,7 +10216,7 @@
         </p:spPr>
         <p:txBody>
           <a:bodyPr anchorCtr="0" anchor="t" bIns="91425" lIns="91425" spcFirstLastPara="1" rIns="91425" wrap="square" tIns="91425">
-            <a:normAutofit lnSpcReduction="20000"/>
+            <a:normAutofit fontScale="77500" lnSpcReduction="10000"/>
           </a:bodyPr>
           <a:lstStyle/>
           <a:p>
@@ -9849,7 +10244,7 @@
             </a:endParaRPr>
           </a:p>
           <a:p>
-            <a:pPr indent="-342900" lvl="0" marL="457200" rtl="0" algn="l">
+            <a:pPr indent="-317182" lvl="0" marL="457200" rtl="0" algn="l">
               <a:spcBef>
                 <a:spcPts val="1200"/>
               </a:spcBef>
@@ -9859,7 +10254,7 @@
               <a:buClr>
                 <a:srgbClr val="000000"/>
               </a:buClr>
-              <a:buSzPts val="1800"/>
+              <a:buSzPct val="100000"/>
               <a:buChar char="●"/>
             </a:pPr>
             <a:r>
@@ -9901,7 +10296,7 @@
             </a:endParaRPr>
           </a:p>
           <a:p>
-            <a:pPr indent="-342900" lvl="0" marL="457200" rtl="0" algn="l">
+            <a:pPr indent="-317182" lvl="0" marL="457200" rtl="0" algn="l">
               <a:spcBef>
                 <a:spcPts val="1200"/>
               </a:spcBef>
@@ -9911,7 +10306,7 @@
               <a:buClr>
                 <a:srgbClr val="000000"/>
               </a:buClr>
-              <a:buSzPts val="1800"/>
+              <a:buSzPct val="100000"/>
               <a:buChar char="●"/>
             </a:pPr>
             <a:r>
@@ -9920,7 +10315,7 @@
                   <a:srgbClr val="000000"/>
                 </a:solidFill>
               </a:rPr>
-              <a:t>Weights were assigned to metrics within each category (goals, attack, defense, possession) to emphasize their relative importance in predicting team performance.</a:t>
+              <a:t>Weights were assigned to metrics within each category (goals, attack, defense, possession) to emphasize their relative importance in predicting team points.</a:t>
             </a:r>
             <a:endParaRPr>
               <a:solidFill>
@@ -9929,7 +10324,7 @@
             </a:endParaRPr>
           </a:p>
           <a:p>
-            <a:pPr indent="-342900" lvl="0" marL="457200" rtl="0" algn="l">
+            <a:pPr indent="-317182" lvl="0" marL="457200" rtl="0" algn="l">
               <a:spcBef>
                 <a:spcPts val="0"/>
               </a:spcBef>
@@ -9939,7 +10334,7 @@
               <a:buClr>
                 <a:srgbClr val="000000"/>
               </a:buClr>
-              <a:buSzPts val="1800"/>
+              <a:buSzPct val="100000"/>
               <a:buChar char="●"/>
             </a:pPr>
             <a:r>
@@ -9958,6 +10353,34 @@
           </a:p>
         </p:txBody>
       </p:sp>
+      <p:pic>
+        <p:nvPicPr>
+          <p:cNvPr id="174" name="Google Shape;174;p26"/>
+          <p:cNvPicPr preferRelativeResize="0"/>
+          <p:nvPr/>
+        </p:nvPicPr>
+        <p:blipFill>
+          <a:blip r:embed="rId3">
+            <a:alphaModFix/>
+          </a:blip>
+          <a:stretch>
+            <a:fillRect/>
+          </a:stretch>
+        </p:blipFill>
+        <p:spPr>
+          <a:xfrm>
+            <a:off x="5584500" y="194375"/>
+            <a:ext cx="3559501" cy="4680000"/>
+          </a:xfrm>
+          <a:prstGeom prst="rect">
+            <a:avLst/>
+          </a:prstGeom>
+          <a:noFill/>
+          <a:ln>
+            <a:noFill/>
+          </a:ln>
+        </p:spPr>
+      </p:pic>
     </p:spTree>
   </p:cSld>
   <p:clrMapOvr>
@@ -9966,12 +10389,12 @@
 </p:sld>
 </file>
 
-<file path=ppt/slides/slide14.xml><?xml version="1.0" encoding="utf-8"?>
+<file path=ppt/slides/slide15.xml><?xml version="1.0" encoding="utf-8"?>
 <p:sld xmlns:a="http://schemas.openxmlformats.org/drawingml/2006/main" xmlns:r="http://schemas.openxmlformats.org/officeDocument/2006/relationships" xmlns:mc="http://schemas.openxmlformats.org/markup-compatibility/2006" xmlns:mv="urn:schemas-microsoft-com:mac:vml" xmlns:p="http://schemas.openxmlformats.org/presentationml/2006/main" xmlns:c="http://schemas.openxmlformats.org/drawingml/2006/chart" xmlns:dgm="http://schemas.openxmlformats.org/drawingml/2006/diagram" xmlns:o="urn:schemas-microsoft-com:office:office" xmlns:v="urn:schemas-microsoft-com:vml" xmlns:pvml="urn:schemas-microsoft-com:office:powerpoint" xmlns:com="http://schemas.openxmlformats.org/drawingml/2006/compatibility" xmlns:p14="http://schemas.microsoft.com/office/powerpoint/2010/main" xmlns:p15="http://schemas.microsoft.com/office/powerpoint/2012/main" xmlns:ahyp="http://schemas.microsoft.com/office/drawing/2018/hyperlinkcolor">
   <p:cSld>
     <p:spTree>
       <p:nvGrpSpPr>
-        <p:cNvPr id="168" name="Shape 168"/>
+        <p:cNvPr id="178" name="Shape 178"/>
         <p:cNvGrpSpPr/>
         <p:nvPr/>
       </p:nvGrpSpPr>
@@ -9985,7 +10408,7 @@
       </p:grpSpPr>
       <p:sp>
         <p:nvSpPr>
-          <p:cNvPr id="169" name="Google Shape;169;p26"/>
+          <p:cNvPr id="179" name="Google Shape;179;p27"/>
           <p:cNvSpPr txBox="1"/>
           <p:nvPr>
             <p:ph type="title"/>
@@ -10025,7 +10448,7 @@
       </p:sp>
       <p:sp>
         <p:nvSpPr>
-          <p:cNvPr id="170" name="Google Shape;170;p26"/>
+          <p:cNvPr id="180" name="Google Shape;180;p27"/>
           <p:cNvSpPr txBox="1"/>
           <p:nvPr>
             <p:ph idx="1" type="body"/>
@@ -10064,7 +10487,7 @@
       </p:sp>
       <p:graphicFrame>
         <p:nvGraphicFramePr>
-          <p:cNvPr id="171" name="Google Shape;171;p26"/>
+          <p:cNvPr id="181" name="Google Shape;181;p27"/>
           <p:cNvGraphicFramePr/>
           <p:nvPr/>
         </p:nvGraphicFramePr>
@@ -10077,7 +10500,7 @@
             <a:tbl>
               <a:tblPr>
                 <a:noFill/>
-                <a:tableStyleId>{F0C14914-2751-4B7C-8B1D-25D9759E9B05}</a:tableStyleId>
+                <a:tableStyleId>{30A6C69D-188B-493E-8994-B1240EB18F0C}</a:tableStyleId>
               </a:tblPr>
               <a:tblGrid>
                 <a:gridCol w="2840200"/>
@@ -10195,7 +10618,7 @@
       </p:graphicFrame>
       <p:pic>
         <p:nvPicPr>
-          <p:cNvPr id="172" name="Google Shape;172;p26"/>
+          <p:cNvPr id="182" name="Google Shape;182;p27"/>
           <p:cNvPicPr preferRelativeResize="0"/>
           <p:nvPr/>
         </p:nvPicPr>
@@ -10223,7 +10646,7 @@
       </p:pic>
       <p:pic>
         <p:nvPicPr>
-          <p:cNvPr id="173" name="Google Shape;173;p26"/>
+          <p:cNvPr id="183" name="Google Shape;183;p27"/>
           <p:cNvPicPr preferRelativeResize="0"/>
           <p:nvPr/>
         </p:nvPicPr>
@@ -10251,7 +10674,7 @@
       </p:pic>
       <p:pic>
         <p:nvPicPr>
-          <p:cNvPr id="174" name="Google Shape;174;p26"/>
+          <p:cNvPr id="184" name="Google Shape;184;p27"/>
           <p:cNvPicPr preferRelativeResize="0"/>
           <p:nvPr/>
         </p:nvPicPr>
@@ -10285,12 +10708,12 @@
 </p:sld>
 </file>
 
-<file path=ppt/slides/slide15.xml><?xml version="1.0" encoding="utf-8"?>
+<file path=ppt/slides/slide16.xml><?xml version="1.0" encoding="utf-8"?>
 <p:sld xmlns:a="http://schemas.openxmlformats.org/drawingml/2006/main" xmlns:r="http://schemas.openxmlformats.org/officeDocument/2006/relationships" xmlns:mc="http://schemas.openxmlformats.org/markup-compatibility/2006" xmlns:mv="urn:schemas-microsoft-com:mac:vml" xmlns:p="http://schemas.openxmlformats.org/presentationml/2006/main" xmlns:c="http://schemas.openxmlformats.org/drawingml/2006/chart" xmlns:dgm="http://schemas.openxmlformats.org/drawingml/2006/diagram" xmlns:o="urn:schemas-microsoft-com:office:office" xmlns:v="urn:schemas-microsoft-com:vml" xmlns:pvml="urn:schemas-microsoft-com:office:powerpoint" xmlns:com="http://schemas.openxmlformats.org/drawingml/2006/compatibility" xmlns:p14="http://schemas.microsoft.com/office/powerpoint/2010/main" xmlns:p15="http://schemas.microsoft.com/office/powerpoint/2012/main" xmlns:ahyp="http://schemas.microsoft.com/office/drawing/2018/hyperlinkcolor">
   <p:cSld>
     <p:spTree>
       <p:nvGrpSpPr>
-        <p:cNvPr id="178" name="Shape 178"/>
+        <p:cNvPr id="188" name="Shape 188"/>
         <p:cNvGrpSpPr/>
         <p:nvPr/>
       </p:nvGrpSpPr>
@@ -10304,7 +10727,7 @@
       </p:grpSpPr>
       <p:sp>
         <p:nvSpPr>
-          <p:cNvPr id="179" name="Google Shape;179;p27"/>
+          <p:cNvPr id="189" name="Google Shape;189;p28"/>
           <p:cNvSpPr txBox="1"/>
           <p:nvPr>
             <p:ph type="title"/>
@@ -10344,7 +10767,7 @@
       </p:sp>
       <p:sp>
         <p:nvSpPr>
-          <p:cNvPr id="180" name="Google Shape;180;p27"/>
+          <p:cNvPr id="190" name="Google Shape;190;p28"/>
           <p:cNvSpPr txBox="1"/>
           <p:nvPr>
             <p:ph idx="1" type="body"/>
@@ -10361,7 +10784,7 @@
         </p:spPr>
         <p:txBody>
           <a:bodyPr anchorCtr="0" anchor="t" bIns="91425" lIns="91425" spcFirstLastPara="1" rIns="91425" wrap="square" tIns="91425">
-            <a:normAutofit fontScale="62500" lnSpcReduction="10000"/>
+            <a:normAutofit fontScale="85000" lnSpcReduction="20000"/>
           </a:bodyPr>
           <a:lstStyle/>
           <a:p>
@@ -10397,7 +10820,7 @@
             </a:endParaRPr>
           </a:p>
           <a:p>
-            <a:pPr indent="-272256" lvl="0" marL="457200" rtl="0" algn="l">
+            <a:pPr indent="-287972" lvl="0" marL="457200" rtl="0" algn="l">
               <a:spcBef>
                 <a:spcPts val="1200"/>
               </a:spcBef>
@@ -10434,7 +10857,7 @@
             </a:endParaRPr>
           </a:p>
           <a:p>
-            <a:pPr indent="-272256" lvl="0" marL="457200" rtl="0" algn="l">
+            <a:pPr indent="-287972" lvl="0" marL="457200" rtl="0" algn="l">
               <a:spcBef>
                 <a:spcPts val="0"/>
               </a:spcBef>
@@ -10458,44 +10881,7 @@
                 <a:cs typeface="Arial"/>
                 <a:sym typeface="Arial"/>
               </a:rPr>
-              <a:t>Weights: [0.80, -0.80]</a:t>
-            </a:r>
-            <a:endParaRPr sz="1100">
-              <a:solidFill>
-                <a:srgbClr val="000000"/>
-              </a:solidFill>
-              <a:latin typeface="Arial"/>
-              <a:ea typeface="Arial"/>
-              <a:cs typeface="Arial"/>
-              <a:sym typeface="Arial"/>
-            </a:endParaRPr>
-          </a:p>
-          <a:p>
-            <a:pPr indent="-272256" lvl="0" marL="457200" rtl="0" algn="l">
-              <a:spcBef>
-                <a:spcPts val="0"/>
-              </a:spcBef>
-              <a:spcAft>
-                <a:spcPts val="0"/>
-              </a:spcAft>
-              <a:buClr>
-                <a:srgbClr val="000000"/>
-              </a:buClr>
-              <a:buSzPct val="100000"/>
-              <a:buFont typeface="Arial"/>
-              <a:buChar char="●"/>
-            </a:pPr>
-            <a:r>
-              <a:rPr lang="en-GB" sz="1100">
-                <a:solidFill>
-                  <a:srgbClr val="000000"/>
-                </a:solidFill>
-                <a:latin typeface="Arial"/>
-                <a:ea typeface="Arial"/>
-                <a:cs typeface="Arial"/>
-                <a:sym typeface="Arial"/>
-              </a:rPr>
-              <a:t>Emphasizes the importance of scoring goals while minimizing goals conceded.</a:t>
+              <a:t>Weights: [0.80, -0.80].</a:t>
             </a:r>
             <a:endParaRPr sz="1100">
               <a:solidFill>
@@ -10540,7 +10926,7 @@
             </a:endParaRPr>
           </a:p>
           <a:p>
-            <a:pPr indent="-272256" lvl="0" marL="457200" rtl="0" algn="l">
+            <a:pPr indent="-287972" lvl="0" marL="457200" rtl="0" algn="l">
               <a:spcBef>
                 <a:spcPts val="1200"/>
               </a:spcBef>
@@ -10577,7 +10963,7 @@
             </a:endParaRPr>
           </a:p>
           <a:p>
-            <a:pPr indent="-272256" lvl="0" marL="457200" rtl="0" algn="l">
+            <a:pPr indent="-287972" lvl="0" marL="457200" rtl="0" algn="l">
               <a:spcBef>
                 <a:spcPts val="0"/>
               </a:spcBef>
@@ -10614,43 +11000,6 @@
             </a:endParaRPr>
           </a:p>
           <a:p>
-            <a:pPr indent="-272256" lvl="0" marL="457200" rtl="0" algn="l">
-              <a:spcBef>
-                <a:spcPts val="0"/>
-              </a:spcBef>
-              <a:spcAft>
-                <a:spcPts val="0"/>
-              </a:spcAft>
-              <a:buClr>
-                <a:srgbClr val="000000"/>
-              </a:buClr>
-              <a:buSzPct val="100000"/>
-              <a:buFont typeface="Arial"/>
-              <a:buChar char="●"/>
-            </a:pPr>
-            <a:r>
-              <a:rPr lang="en-GB" sz="1100">
-                <a:solidFill>
-                  <a:srgbClr val="000000"/>
-                </a:solidFill>
-                <a:latin typeface="Arial"/>
-                <a:ea typeface="Arial"/>
-                <a:cs typeface="Arial"/>
-                <a:sym typeface="Arial"/>
-              </a:rPr>
-              <a:t>Highlights the significance of on-target scoring attempts, total scoring attempts, and effectiveness in open play passing.</a:t>
-            </a:r>
-            <a:endParaRPr sz="1100">
-              <a:solidFill>
-                <a:srgbClr val="000000"/>
-              </a:solidFill>
-              <a:latin typeface="Arial"/>
-              <a:ea typeface="Arial"/>
-              <a:cs typeface="Arial"/>
-              <a:sym typeface="Arial"/>
-            </a:endParaRPr>
-          </a:p>
-          <a:p>
             <a:pPr indent="0" lvl="0" marL="0" rtl="0" algn="l">
               <a:spcBef>
                 <a:spcPts val="1200"/>
@@ -10683,7 +11032,7 @@
             </a:endParaRPr>
           </a:p>
           <a:p>
-            <a:pPr indent="-272256" lvl="0" marL="457200" rtl="0" algn="l">
+            <a:pPr indent="-287972" lvl="0" marL="457200" rtl="0" algn="l">
               <a:spcBef>
                 <a:spcPts val="1200"/>
               </a:spcBef>
@@ -10720,7 +11069,7 @@
             </a:endParaRPr>
           </a:p>
           <a:p>
-            <a:pPr indent="-272256" lvl="0" marL="457200" rtl="0" algn="l">
+            <a:pPr indent="-287972" lvl="0" marL="457200" rtl="0" algn="l">
               <a:spcBef>
                 <a:spcPts val="0"/>
               </a:spcBef>
@@ -10757,43 +11106,6 @@
             </a:endParaRPr>
           </a:p>
           <a:p>
-            <a:pPr indent="-272256" lvl="0" marL="457200" rtl="0" algn="l">
-              <a:spcBef>
-                <a:spcPts val="0"/>
-              </a:spcBef>
-              <a:spcAft>
-                <a:spcPts val="0"/>
-              </a:spcAft>
-              <a:buClr>
-                <a:srgbClr val="000000"/>
-              </a:buClr>
-              <a:buSzPct val="100000"/>
-              <a:buFont typeface="Arial"/>
-              <a:buChar char="●"/>
-            </a:pPr>
-            <a:r>
-              <a:rPr lang="en-GB" sz="1100">
-                <a:solidFill>
-                  <a:srgbClr val="000000"/>
-                </a:solidFill>
-                <a:latin typeface="Arial"/>
-                <a:ea typeface="Arial"/>
-                <a:cs typeface="Arial"/>
-                <a:sym typeface="Arial"/>
-              </a:rPr>
-              <a:t>Focuses on metrics such as saves, clearances, and interceptions indicative of defensive capabilities.</a:t>
-            </a:r>
-            <a:endParaRPr sz="1100">
-              <a:solidFill>
-                <a:srgbClr val="000000"/>
-              </a:solidFill>
-              <a:latin typeface="Arial"/>
-              <a:ea typeface="Arial"/>
-              <a:cs typeface="Arial"/>
-              <a:sym typeface="Arial"/>
-            </a:endParaRPr>
-          </a:p>
-          <a:p>
             <a:pPr indent="0" lvl="0" marL="0" rtl="0" algn="l">
               <a:spcBef>
                 <a:spcPts val="1200"/>
@@ -10826,7 +11138,7 @@
             </a:endParaRPr>
           </a:p>
           <a:p>
-            <a:pPr indent="-272256" lvl="0" marL="457200" rtl="0" algn="l">
+            <a:pPr indent="-287972" lvl="0" marL="457200" rtl="0" algn="l">
               <a:spcBef>
                 <a:spcPts val="1200"/>
               </a:spcBef>
@@ -10863,7 +11175,7 @@
             </a:endParaRPr>
           </a:p>
           <a:p>
-            <a:pPr indent="-272256" lvl="0" marL="457200" rtl="0" algn="l">
+            <a:pPr indent="-287972" lvl="0" marL="457200" rtl="0" algn="l">
               <a:spcBef>
                 <a:spcPts val="0"/>
               </a:spcBef>
@@ -10900,43 +11212,6 @@
             </a:endParaRPr>
           </a:p>
           <a:p>
-            <a:pPr indent="-272256" lvl="0" marL="457200" rtl="0" algn="l">
-              <a:spcBef>
-                <a:spcPts val="0"/>
-              </a:spcBef>
-              <a:spcAft>
-                <a:spcPts val="0"/>
-              </a:spcAft>
-              <a:buClr>
-                <a:srgbClr val="000000"/>
-              </a:buClr>
-              <a:buSzPct val="100000"/>
-              <a:buFont typeface="Arial"/>
-              <a:buChar char="●"/>
-            </a:pPr>
-            <a:r>
-              <a:rPr lang="en-GB" sz="1100">
-                <a:solidFill>
-                  <a:srgbClr val="000000"/>
-                </a:solidFill>
-                <a:latin typeface="Arial"/>
-                <a:ea typeface="Arial"/>
-                <a:cs typeface="Arial"/>
-                <a:sym typeface="Arial"/>
-              </a:rPr>
-              <a:t>Emphasizes possession-related metrics like successful passing and ball control.</a:t>
-            </a:r>
-            <a:endParaRPr sz="1100">
-              <a:solidFill>
-                <a:srgbClr val="000000"/>
-              </a:solidFill>
-              <a:latin typeface="Arial"/>
-              <a:ea typeface="Arial"/>
-              <a:cs typeface="Arial"/>
-              <a:sym typeface="Arial"/>
-            </a:endParaRPr>
-          </a:p>
-          <a:p>
             <a:pPr indent="0" lvl="0" marL="0" rtl="0" algn="l">
               <a:spcBef>
                 <a:spcPts val="1200"/>
@@ -10961,12 +11236,12 @@
 </p:sld>
 </file>
 
-<file path=ppt/slides/slide16.xml><?xml version="1.0" encoding="utf-8"?>
+<file path=ppt/slides/slide17.xml><?xml version="1.0" encoding="utf-8"?>
 <p:sld xmlns:a="http://schemas.openxmlformats.org/drawingml/2006/main" xmlns:r="http://schemas.openxmlformats.org/officeDocument/2006/relationships" xmlns:mc="http://schemas.openxmlformats.org/markup-compatibility/2006" xmlns:mv="urn:schemas-microsoft-com:mac:vml" xmlns:p="http://schemas.openxmlformats.org/presentationml/2006/main" xmlns:c="http://schemas.openxmlformats.org/drawingml/2006/chart" xmlns:dgm="http://schemas.openxmlformats.org/drawingml/2006/diagram" xmlns:o="urn:schemas-microsoft-com:office:office" xmlns:v="urn:schemas-microsoft-com:vml" xmlns:pvml="urn:schemas-microsoft-com:office:powerpoint" xmlns:com="http://schemas.openxmlformats.org/drawingml/2006/compatibility" xmlns:p14="http://schemas.microsoft.com/office/powerpoint/2010/main" xmlns:p15="http://schemas.microsoft.com/office/powerpoint/2012/main" xmlns:ahyp="http://schemas.microsoft.com/office/drawing/2018/hyperlinkcolor">
   <p:cSld>
     <p:spTree>
       <p:nvGrpSpPr>
-        <p:cNvPr id="184" name="Shape 184"/>
+        <p:cNvPr id="194" name="Shape 194"/>
         <p:cNvGrpSpPr/>
         <p:nvPr/>
       </p:nvGrpSpPr>
@@ -10980,7 +11255,7 @@
       </p:grpSpPr>
       <p:sp>
         <p:nvSpPr>
-          <p:cNvPr id="185" name="Google Shape;185;p28"/>
+          <p:cNvPr id="195" name="Google Shape;195;p29"/>
           <p:cNvSpPr txBox="1"/>
           <p:nvPr>
             <p:ph type="title"/>
@@ -11020,7 +11295,7 @@
       </p:sp>
       <p:sp>
         <p:nvSpPr>
-          <p:cNvPr id="186" name="Google Shape;186;p28"/>
+          <p:cNvPr id="196" name="Google Shape;196;p29"/>
           <p:cNvSpPr txBox="1"/>
           <p:nvPr>
             <p:ph idx="1" type="body"/>
@@ -11059,7 +11334,7 @@
       </p:sp>
       <p:pic>
         <p:nvPicPr>
-          <p:cNvPr id="187" name="Google Shape;187;p28"/>
+          <p:cNvPr id="197" name="Google Shape;197;p29"/>
           <p:cNvPicPr preferRelativeResize="0"/>
           <p:nvPr/>
         </p:nvPicPr>
@@ -11087,7 +11362,7 @@
       </p:pic>
       <p:pic>
         <p:nvPicPr>
-          <p:cNvPr id="188" name="Google Shape;188;p28"/>
+          <p:cNvPr id="198" name="Google Shape;198;p29"/>
           <p:cNvPicPr preferRelativeResize="0"/>
           <p:nvPr/>
         </p:nvPicPr>
@@ -11121,12 +11396,12 @@
 </p:sld>
 </file>
 
-<file path=ppt/slides/slide17.xml><?xml version="1.0" encoding="utf-8"?>
+<file path=ppt/slides/slide18.xml><?xml version="1.0" encoding="utf-8"?>
 <p:sld xmlns:a="http://schemas.openxmlformats.org/drawingml/2006/main" xmlns:r="http://schemas.openxmlformats.org/officeDocument/2006/relationships" xmlns:mc="http://schemas.openxmlformats.org/markup-compatibility/2006" xmlns:mv="urn:schemas-microsoft-com:mac:vml" xmlns:p="http://schemas.openxmlformats.org/presentationml/2006/main" xmlns:c="http://schemas.openxmlformats.org/drawingml/2006/chart" xmlns:dgm="http://schemas.openxmlformats.org/drawingml/2006/diagram" xmlns:o="urn:schemas-microsoft-com:office:office" xmlns:v="urn:schemas-microsoft-com:vml" xmlns:pvml="urn:schemas-microsoft-com:office:powerpoint" xmlns:com="http://schemas.openxmlformats.org/drawingml/2006/compatibility" xmlns:p14="http://schemas.microsoft.com/office/powerpoint/2010/main" xmlns:p15="http://schemas.microsoft.com/office/powerpoint/2012/main" xmlns:ahyp="http://schemas.microsoft.com/office/drawing/2018/hyperlinkcolor">
   <p:cSld>
     <p:spTree>
       <p:nvGrpSpPr>
-        <p:cNvPr id="192" name="Shape 192"/>
+        <p:cNvPr id="202" name="Shape 202"/>
         <p:cNvGrpSpPr/>
         <p:nvPr/>
       </p:nvGrpSpPr>
@@ -11140,7 +11415,7 @@
       </p:grpSpPr>
       <p:sp>
         <p:nvSpPr>
-          <p:cNvPr id="193" name="Google Shape;193;p29"/>
+          <p:cNvPr id="203" name="Google Shape;203;p30"/>
           <p:cNvSpPr txBox="1"/>
           <p:nvPr>
             <p:ph type="title"/>
@@ -11180,7 +11455,7 @@
       </p:sp>
       <p:sp>
         <p:nvSpPr>
-          <p:cNvPr id="194" name="Google Shape;194;p29"/>
+          <p:cNvPr id="204" name="Google Shape;204;p30"/>
           <p:cNvSpPr txBox="1"/>
           <p:nvPr>
             <p:ph idx="1" type="body"/>
@@ -11219,7 +11494,7 @@
       </p:sp>
       <p:graphicFrame>
         <p:nvGraphicFramePr>
-          <p:cNvPr id="195" name="Google Shape;195;p29"/>
+          <p:cNvPr id="205" name="Google Shape;205;p30"/>
           <p:cNvGraphicFramePr/>
           <p:nvPr/>
         </p:nvGraphicFramePr>
@@ -11232,7 +11507,7 @@
             <a:tbl>
               <a:tblPr>
                 <a:noFill/>
-                <a:tableStyleId>{F0C14914-2751-4B7C-8B1D-25D9759E9B05}</a:tableStyleId>
+                <a:tableStyleId>{30A6C69D-188B-493E-8994-B1240EB18F0C}</a:tableStyleId>
               </a:tblPr>
               <a:tblGrid>
                 <a:gridCol w="4260300"/>
@@ -11307,7 +11582,7 @@
       </p:graphicFrame>
       <p:pic>
         <p:nvPicPr>
-          <p:cNvPr id="196" name="Google Shape;196;p29"/>
+          <p:cNvPr id="206" name="Google Shape;206;p30"/>
           <p:cNvPicPr preferRelativeResize="0"/>
           <p:nvPr/>
         </p:nvPicPr>
@@ -11335,7 +11610,7 @@
       </p:pic>
       <p:pic>
         <p:nvPicPr>
-          <p:cNvPr id="197" name="Google Shape;197;p29"/>
+          <p:cNvPr id="207" name="Google Shape;207;p30"/>
           <p:cNvPicPr preferRelativeResize="0"/>
           <p:nvPr/>
         </p:nvPicPr>
@@ -11369,12 +11644,12 @@
 </p:sld>
 </file>
 
-<file path=ppt/slides/slide18.xml><?xml version="1.0" encoding="utf-8"?>
+<file path=ppt/slides/slide19.xml><?xml version="1.0" encoding="utf-8"?>
 <p:sld xmlns:a="http://schemas.openxmlformats.org/drawingml/2006/main" xmlns:r="http://schemas.openxmlformats.org/officeDocument/2006/relationships" xmlns:mc="http://schemas.openxmlformats.org/markup-compatibility/2006" xmlns:mv="urn:schemas-microsoft-com:mac:vml" xmlns:p="http://schemas.openxmlformats.org/presentationml/2006/main" xmlns:c="http://schemas.openxmlformats.org/drawingml/2006/chart" xmlns:dgm="http://schemas.openxmlformats.org/drawingml/2006/diagram" xmlns:o="urn:schemas-microsoft-com:office:office" xmlns:v="urn:schemas-microsoft-com:vml" xmlns:pvml="urn:schemas-microsoft-com:office:powerpoint" xmlns:com="http://schemas.openxmlformats.org/drawingml/2006/compatibility" xmlns:p14="http://schemas.microsoft.com/office/powerpoint/2010/main" xmlns:p15="http://schemas.microsoft.com/office/powerpoint/2012/main" xmlns:ahyp="http://schemas.microsoft.com/office/drawing/2018/hyperlinkcolor">
   <p:cSld>
     <p:spTree>
       <p:nvGrpSpPr>
-        <p:cNvPr id="201" name="Shape 201"/>
+        <p:cNvPr id="211" name="Shape 211"/>
         <p:cNvGrpSpPr/>
         <p:nvPr/>
       </p:nvGrpSpPr>
@@ -11388,7 +11663,7 @@
       </p:grpSpPr>
       <p:sp>
         <p:nvSpPr>
-          <p:cNvPr id="202" name="Google Shape;202;p30"/>
+          <p:cNvPr id="212" name="Google Shape;212;p31"/>
           <p:cNvSpPr txBox="1"/>
           <p:nvPr>
             <p:ph type="title"/>
@@ -11428,7 +11703,7 @@
       </p:sp>
       <p:sp>
         <p:nvSpPr>
-          <p:cNvPr id="203" name="Google Shape;203;p30"/>
+          <p:cNvPr id="213" name="Google Shape;213;p31"/>
           <p:cNvSpPr txBox="1"/>
           <p:nvPr>
             <p:ph idx="1" type="body"/>
@@ -11514,7 +11789,7 @@
       </p:sp>
       <p:pic>
         <p:nvPicPr>
-          <p:cNvPr id="204" name="Google Shape;204;p30"/>
+          <p:cNvPr id="214" name="Google Shape;214;p31"/>
           <p:cNvPicPr preferRelativeResize="0"/>
           <p:nvPr/>
         </p:nvPicPr>
@@ -11542,7 +11817,7 @@
       </p:pic>
       <p:sp>
         <p:nvSpPr>
-          <p:cNvPr id="205" name="Google Shape;205;p30"/>
+          <p:cNvPr id="215" name="Google Shape;215;p31"/>
           <p:cNvSpPr txBox="1"/>
           <p:nvPr/>
         </p:nvSpPr>
@@ -11618,12 +11893,12 @@
 </p:sld>
 </file>
 
-<file path=ppt/slides/slide19.xml><?xml version="1.0" encoding="utf-8"?>
+<file path=ppt/slides/slide2.xml><?xml version="1.0" encoding="utf-8"?>
 <p:sld xmlns:a="http://schemas.openxmlformats.org/drawingml/2006/main" xmlns:r="http://schemas.openxmlformats.org/officeDocument/2006/relationships" xmlns:mc="http://schemas.openxmlformats.org/markup-compatibility/2006" xmlns:mv="urn:schemas-microsoft-com:mac:vml" xmlns:p="http://schemas.openxmlformats.org/presentationml/2006/main" xmlns:c="http://schemas.openxmlformats.org/drawingml/2006/chart" xmlns:dgm="http://schemas.openxmlformats.org/drawingml/2006/diagram" xmlns:o="urn:schemas-microsoft-com:office:office" xmlns:v="urn:schemas-microsoft-com:vml" xmlns:pvml="urn:schemas-microsoft-com:office:powerpoint" xmlns:com="http://schemas.openxmlformats.org/drawingml/2006/compatibility" xmlns:p14="http://schemas.microsoft.com/office/powerpoint/2010/main" xmlns:p15="http://schemas.microsoft.com/office/powerpoint/2012/main" xmlns:ahyp="http://schemas.microsoft.com/office/drawing/2018/hyperlinkcolor">
   <p:cSld>
     <p:spTree>
       <p:nvGrpSpPr>
-        <p:cNvPr id="209" name="Shape 209"/>
+        <p:cNvPr id="91" name="Shape 91"/>
         <p:cNvGrpSpPr/>
         <p:nvPr/>
       </p:nvGrpSpPr>
@@ -11637,7 +11912,7 @@
       </p:grpSpPr>
       <p:sp>
         <p:nvSpPr>
-          <p:cNvPr id="210" name="Google Shape;210;p31"/>
+          <p:cNvPr id="92" name="Google Shape;92;p14"/>
           <p:cNvSpPr txBox="1"/>
           <p:nvPr>
             <p:ph type="title"/>
@@ -11669,7 +11944,7 @@
             </a:pPr>
             <a:r>
               <a:rPr lang="en-GB"/>
-              <a:t>Limitations, Roadblock Encountered &amp; Future work</a:t>
+              <a:t>Introduction</a:t>
             </a:r>
             <a:endParaRPr/>
           </a:p>
@@ -11677,7 +11952,7 @@
       </p:sp>
       <p:sp>
         <p:nvSpPr>
-          <p:cNvPr id="211" name="Google Shape;211;p31"/>
+          <p:cNvPr id="93" name="Google Shape;93;p14"/>
           <p:cNvSpPr txBox="1"/>
           <p:nvPr>
             <p:ph idx="1" type="body"/>
@@ -11686,7 +11961,7 @@
         <p:spPr>
           <a:xfrm>
             <a:off x="311700" y="1229875"/>
-            <a:ext cx="8520600" cy="3726600"/>
+            <a:ext cx="8520600" cy="3339000"/>
           </a:xfrm>
           <a:prstGeom prst="rect">
             <a:avLst/>
@@ -11694,7 +11969,7 @@
         </p:spPr>
         <p:txBody>
           <a:bodyPr anchorCtr="0" anchor="t" bIns="91425" lIns="91425" spcFirstLastPara="1" rIns="91425" wrap="square" tIns="91425">
-            <a:normAutofit lnSpcReduction="20000"/>
+            <a:normAutofit lnSpcReduction="10000"/>
           </a:bodyPr>
           <a:lstStyle/>
           <a:p>
@@ -11708,7 +11983,7 @@
               <a:buNone/>
             </a:pPr>
             <a:r>
-              <a:rPr b="1" lang="en-GB" sz="1100">
+              <a:rPr b="1" lang="en-GB" sz="2200">
                 <a:solidFill>
                   <a:srgbClr val="000000"/>
                 </a:solidFill>
@@ -11717,9 +11992,9 @@
                 <a:cs typeface="Arial"/>
                 <a:sym typeface="Arial"/>
               </a:rPr>
-              <a:t>Limitations</a:t>
+              <a:t>What is MLS?</a:t>
             </a:r>
-            <a:endParaRPr b="1" sz="1100">
+            <a:endParaRPr b="1" sz="2200">
               <a:solidFill>
                 <a:srgbClr val="000000"/>
               </a:solidFill>
@@ -11730,7 +12005,7 @@
             </a:endParaRPr>
           </a:p>
           <a:p>
-            <a:pPr indent="-298450" lvl="0" marL="457200" rtl="0" algn="l">
+            <a:pPr indent="-368300" lvl="0" marL="457200" rtl="0" algn="l">
               <a:spcBef>
                 <a:spcPts val="1200"/>
               </a:spcBef>
@@ -11740,12 +12015,12 @@
               <a:buClr>
                 <a:srgbClr val="000000"/>
               </a:buClr>
-              <a:buSzPts val="1100"/>
+              <a:buSzPts val="2200"/>
               <a:buFont typeface="Arial"/>
               <a:buChar char="●"/>
             </a:pPr>
             <a:r>
-              <a:rPr b="1" lang="en-GB" sz="1100">
+              <a:rPr lang="en-GB" sz="2200">
                 <a:solidFill>
                   <a:srgbClr val="000000"/>
                 </a:solidFill>
@@ -11754,21 +12029,9 @@
                 <a:cs typeface="Arial"/>
                 <a:sym typeface="Arial"/>
               </a:rPr>
-              <a:t>Seasonal Predictions:</a:t>
+              <a:t>Major League Soccer (MLS) is the professional soccer league in the United States and Canada. Founded in 1993, MLS has grown significantly, becoming a vital part of the North American sports landscape. It consists of teams from both countries and has a structured competition format leading to playoffs and the MLS Cup.</a:t>
             </a:r>
-            <a:r>
-              <a:rPr lang="en-GB" sz="1100">
-                <a:solidFill>
-                  <a:srgbClr val="000000"/>
-                </a:solidFill>
-                <a:latin typeface="Arial"/>
-                <a:ea typeface="Arial"/>
-                <a:cs typeface="Arial"/>
-                <a:sym typeface="Arial"/>
-              </a:rPr>
-              <a:t> Predictive models are more reliable during ongoing seasons when more matches have been played, providing a larger dataset for analysis and reducing the impact of early-season variability.</a:t>
-            </a:r>
-            <a:endParaRPr sz="1100">
+            <a:endParaRPr sz="2200">
               <a:solidFill>
                 <a:srgbClr val="000000"/>
               </a:solidFill>
@@ -11784,249 +12047,12 @@
                 <a:spcPts val="1200"/>
               </a:spcBef>
               <a:spcAft>
-                <a:spcPts val="0"/>
+                <a:spcPts val="1200"/>
               </a:spcAft>
               <a:buNone/>
             </a:pPr>
             <a:r>
-              <a:rPr b="1" lang="en-GB" sz="1100">
-                <a:solidFill>
-                  <a:srgbClr val="000000"/>
-                </a:solidFill>
-                <a:latin typeface="Arial"/>
-                <a:ea typeface="Arial"/>
-                <a:cs typeface="Arial"/>
-                <a:sym typeface="Arial"/>
-              </a:rPr>
-              <a:t>Roadblocks Encountered</a:t>
-            </a:r>
-            <a:endParaRPr b="1" sz="1100">
-              <a:solidFill>
-                <a:srgbClr val="000000"/>
-              </a:solidFill>
-              <a:latin typeface="Arial"/>
-              <a:ea typeface="Arial"/>
-              <a:cs typeface="Arial"/>
-              <a:sym typeface="Arial"/>
-            </a:endParaRPr>
-          </a:p>
-          <a:p>
-            <a:pPr indent="-298450" lvl="0" marL="457200" rtl="0" algn="l">
-              <a:spcBef>
-                <a:spcPts val="1200"/>
-              </a:spcBef>
-              <a:spcAft>
-                <a:spcPts val="0"/>
-              </a:spcAft>
-              <a:buClr>
-                <a:srgbClr val="000000"/>
-              </a:buClr>
-              <a:buSzPts val="1100"/>
-              <a:buFont typeface="Arial"/>
-              <a:buChar char="●"/>
-            </a:pPr>
-            <a:r>
-              <a:rPr b="1" lang="en-GB" sz="1100">
-                <a:solidFill>
-                  <a:srgbClr val="000000"/>
-                </a:solidFill>
-                <a:latin typeface="Arial"/>
-                <a:ea typeface="Arial"/>
-                <a:cs typeface="Arial"/>
-                <a:sym typeface="Arial"/>
-              </a:rPr>
-              <a:t>Performance of Dask:</a:t>
-            </a:r>
-            <a:r>
-              <a:rPr lang="en-GB" sz="1100">
-                <a:solidFill>
-                  <a:srgbClr val="000000"/>
-                </a:solidFill>
-                <a:latin typeface="Arial"/>
-                <a:ea typeface="Arial"/>
-                <a:cs typeface="Arial"/>
-                <a:sym typeface="Arial"/>
-              </a:rPr>
-              <a:t> The usage of Dask for data processing was suboptimal due to the dataset size being relatively small for its distributed computing capabilities. This resulted in slower processing compared to more conventional tools like pandas, which could handle the data efficiently within memory.</a:t>
-            </a:r>
-            <a:endParaRPr sz="1100">
-              <a:solidFill>
-                <a:srgbClr val="000000"/>
-              </a:solidFill>
-              <a:latin typeface="Arial"/>
-              <a:ea typeface="Arial"/>
-              <a:cs typeface="Arial"/>
-              <a:sym typeface="Arial"/>
-            </a:endParaRPr>
-          </a:p>
-          <a:p>
-            <a:pPr indent="0" lvl="0" marL="0" rtl="0" algn="l">
-              <a:spcBef>
-                <a:spcPts val="1200"/>
-              </a:spcBef>
-              <a:spcAft>
-                <a:spcPts val="0"/>
-              </a:spcAft>
-              <a:buNone/>
-            </a:pPr>
-            <a:r>
-              <a:rPr b="1" lang="en-GB" sz="1100">
-                <a:solidFill>
-                  <a:srgbClr val="000000"/>
-                </a:solidFill>
-                <a:latin typeface="Arial"/>
-                <a:ea typeface="Arial"/>
-                <a:cs typeface="Arial"/>
-                <a:sym typeface="Arial"/>
-              </a:rPr>
-              <a:t>Future Work</a:t>
-            </a:r>
-            <a:endParaRPr b="1" sz="1100">
-              <a:solidFill>
-                <a:srgbClr val="000000"/>
-              </a:solidFill>
-              <a:latin typeface="Arial"/>
-              <a:ea typeface="Arial"/>
-              <a:cs typeface="Arial"/>
-              <a:sym typeface="Arial"/>
-            </a:endParaRPr>
-          </a:p>
-          <a:p>
-            <a:pPr indent="-298450" lvl="0" marL="457200" rtl="0" algn="l">
-              <a:spcBef>
-                <a:spcPts val="1200"/>
-              </a:spcBef>
-              <a:spcAft>
-                <a:spcPts val="0"/>
-              </a:spcAft>
-              <a:buClr>
-                <a:srgbClr val="000000"/>
-              </a:buClr>
-              <a:buSzPts val="1100"/>
-              <a:buFont typeface="Arial"/>
-              <a:buChar char="●"/>
-            </a:pPr>
-            <a:r>
-              <a:rPr b="1" lang="en-GB" sz="1100">
-                <a:solidFill>
-                  <a:srgbClr val="000000"/>
-                </a:solidFill>
-                <a:latin typeface="Arial"/>
-                <a:ea typeface="Arial"/>
-                <a:cs typeface="Arial"/>
-                <a:sym typeface="Arial"/>
-              </a:rPr>
-              <a:t>Incorporation of Player Statistics:</a:t>
-            </a:r>
-            <a:r>
-              <a:rPr lang="en-GB" sz="1100">
-                <a:solidFill>
-                  <a:srgbClr val="000000"/>
-                </a:solidFill>
-                <a:latin typeface="Arial"/>
-                <a:ea typeface="Arial"/>
-                <a:cs typeface="Arial"/>
-                <a:sym typeface="Arial"/>
-              </a:rPr>
-              <a:t> Enhance model accuracy by integrating individual player statistics alongside team metrics. This could provide deeper insights into player contributions and their impact on overall team performance.</a:t>
-            </a:r>
-            <a:endParaRPr sz="1100">
-              <a:solidFill>
-                <a:srgbClr val="000000"/>
-              </a:solidFill>
-              <a:latin typeface="Arial"/>
-              <a:ea typeface="Arial"/>
-              <a:cs typeface="Arial"/>
-              <a:sym typeface="Arial"/>
-            </a:endParaRPr>
-          </a:p>
-          <a:p>
-            <a:pPr indent="-298450" lvl="0" marL="457200" rtl="0" algn="l">
-              <a:spcBef>
-                <a:spcPts val="0"/>
-              </a:spcBef>
-              <a:spcAft>
-                <a:spcPts val="0"/>
-              </a:spcAft>
-              <a:buClr>
-                <a:srgbClr val="000000"/>
-              </a:buClr>
-              <a:buSzPts val="1100"/>
-              <a:buFont typeface="Arial"/>
-              <a:buChar char="●"/>
-            </a:pPr>
-            <a:r>
-              <a:rPr b="1" lang="en-GB" sz="1100">
-                <a:solidFill>
-                  <a:srgbClr val="000000"/>
-                </a:solidFill>
-                <a:latin typeface="Arial"/>
-                <a:ea typeface="Arial"/>
-                <a:cs typeface="Arial"/>
-                <a:sym typeface="Arial"/>
-              </a:rPr>
-              <a:t>Consideration of Team Form:</a:t>
-            </a:r>
-            <a:r>
-              <a:rPr lang="en-GB" sz="1100">
-                <a:solidFill>
-                  <a:srgbClr val="000000"/>
-                </a:solidFill>
-                <a:latin typeface="Arial"/>
-                <a:ea typeface="Arial"/>
-                <a:cs typeface="Arial"/>
-                <a:sym typeface="Arial"/>
-              </a:rPr>
-              <a:t> Incorporate dynamic factors such as recent match performance and team form to predict future outcomes more accurately. This involves analyzing recent match results, team strategies, and player availability to assess current team dynamics.</a:t>
-            </a:r>
-            <a:endParaRPr sz="1100">
-              <a:solidFill>
-                <a:srgbClr val="000000"/>
-              </a:solidFill>
-              <a:latin typeface="Arial"/>
-              <a:ea typeface="Arial"/>
-              <a:cs typeface="Arial"/>
-              <a:sym typeface="Arial"/>
-            </a:endParaRPr>
-          </a:p>
-          <a:p>
-            <a:pPr indent="-298450" lvl="0" marL="457200" rtl="0" algn="l">
-              <a:spcBef>
-                <a:spcPts val="0"/>
-              </a:spcBef>
-              <a:spcAft>
-                <a:spcPts val="0"/>
-              </a:spcAft>
-              <a:buClr>
-                <a:srgbClr val="000000"/>
-              </a:buClr>
-              <a:buSzPts val="1100"/>
-              <a:buFont typeface="Arial"/>
-              <a:buChar char="●"/>
-            </a:pPr>
-            <a:r>
-              <a:rPr b="1" lang="en-GB" sz="1100">
-                <a:solidFill>
-                  <a:srgbClr val="000000"/>
-                </a:solidFill>
-                <a:latin typeface="Arial"/>
-                <a:ea typeface="Arial"/>
-                <a:cs typeface="Arial"/>
-                <a:sym typeface="Arial"/>
-              </a:rPr>
-              <a:t>Predictive Analytics for Match Outcomes:</a:t>
-            </a:r>
-            <a:r>
-              <a:rPr lang="en-GB" sz="1100">
-                <a:solidFill>
-                  <a:srgbClr val="000000"/>
-                </a:solidFill>
-                <a:latin typeface="Arial"/>
-                <a:ea typeface="Arial"/>
-                <a:cs typeface="Arial"/>
-                <a:sym typeface="Arial"/>
-              </a:rPr>
-              <a:t> Develop models that predict match outcomes based on upcoming fixtures and historical performance between teams. Utilize machine learning algorithms to forecast the likelihood of a team winning based on historical data and current form.</a:t>
+              <a:t/>
             </a:r>
             <a:endParaRPr/>
           </a:p>
@@ -12040,12 +12066,12 @@
 </p:sld>
 </file>
 
-<file path=ppt/slides/slide2.xml><?xml version="1.0" encoding="utf-8"?>
+<file path=ppt/slides/slide20.xml><?xml version="1.0" encoding="utf-8"?>
 <p:sld xmlns:a="http://schemas.openxmlformats.org/drawingml/2006/main" xmlns:r="http://schemas.openxmlformats.org/officeDocument/2006/relationships" xmlns:mc="http://schemas.openxmlformats.org/markup-compatibility/2006" xmlns:mv="urn:schemas-microsoft-com:mac:vml" xmlns:p="http://schemas.openxmlformats.org/presentationml/2006/main" xmlns:c="http://schemas.openxmlformats.org/drawingml/2006/chart" xmlns:dgm="http://schemas.openxmlformats.org/drawingml/2006/diagram" xmlns:o="urn:schemas-microsoft-com:office:office" xmlns:v="urn:schemas-microsoft-com:vml" xmlns:pvml="urn:schemas-microsoft-com:office:powerpoint" xmlns:com="http://schemas.openxmlformats.org/drawingml/2006/compatibility" xmlns:p14="http://schemas.microsoft.com/office/powerpoint/2010/main" xmlns:p15="http://schemas.microsoft.com/office/powerpoint/2012/main" xmlns:ahyp="http://schemas.microsoft.com/office/drawing/2018/hyperlinkcolor">
   <p:cSld>
     <p:spTree>
       <p:nvGrpSpPr>
-        <p:cNvPr id="90" name="Shape 90"/>
+        <p:cNvPr id="219" name="Shape 219"/>
         <p:cNvGrpSpPr/>
         <p:nvPr/>
       </p:nvGrpSpPr>
@@ -12059,7 +12085,7 @@
       </p:grpSpPr>
       <p:sp>
         <p:nvSpPr>
-          <p:cNvPr id="91" name="Google Shape;91;p14"/>
+          <p:cNvPr id="220" name="Google Shape;220;p32"/>
           <p:cNvSpPr txBox="1"/>
           <p:nvPr>
             <p:ph type="title"/>
@@ -12091,7 +12117,7 @@
             </a:pPr>
             <a:r>
               <a:rPr lang="en-GB"/>
-              <a:t>Introduction</a:t>
+              <a:t>Limitations, Roadblock Encountered &amp; Future work</a:t>
             </a:r>
             <a:endParaRPr/>
           </a:p>
@@ -12099,7 +12125,393 @@
       </p:sp>
       <p:sp>
         <p:nvSpPr>
-          <p:cNvPr id="92" name="Google Shape;92;p14"/>
+          <p:cNvPr id="221" name="Google Shape;221;p32"/>
+          <p:cNvSpPr txBox="1"/>
+          <p:nvPr>
+            <p:ph idx="1" type="body"/>
+          </p:nvPr>
+        </p:nvSpPr>
+        <p:spPr>
+          <a:xfrm>
+            <a:off x="311700" y="1229875"/>
+            <a:ext cx="8520600" cy="3726600"/>
+          </a:xfrm>
+          <a:prstGeom prst="rect">
+            <a:avLst/>
+          </a:prstGeom>
+        </p:spPr>
+        <p:txBody>
+          <a:bodyPr anchorCtr="0" anchor="t" bIns="91425" lIns="91425" spcFirstLastPara="1" rIns="91425" wrap="square" tIns="91425">
+            <a:normAutofit/>
+          </a:bodyPr>
+          <a:lstStyle/>
+          <a:p>
+            <a:pPr indent="0" lvl="0" marL="0" rtl="0" algn="l">
+              <a:spcBef>
+                <a:spcPts val="1200"/>
+              </a:spcBef>
+              <a:spcAft>
+                <a:spcPts val="0"/>
+              </a:spcAft>
+              <a:buNone/>
+            </a:pPr>
+            <a:r>
+              <a:rPr b="1" lang="en-GB" sz="1100">
+                <a:solidFill>
+                  <a:srgbClr val="000000"/>
+                </a:solidFill>
+                <a:latin typeface="Arial"/>
+                <a:ea typeface="Arial"/>
+                <a:cs typeface="Arial"/>
+                <a:sym typeface="Arial"/>
+              </a:rPr>
+              <a:t>Limitations</a:t>
+            </a:r>
+            <a:endParaRPr b="1" sz="1100">
+              <a:solidFill>
+                <a:srgbClr val="000000"/>
+              </a:solidFill>
+              <a:latin typeface="Arial"/>
+              <a:ea typeface="Arial"/>
+              <a:cs typeface="Arial"/>
+              <a:sym typeface="Arial"/>
+            </a:endParaRPr>
+          </a:p>
+          <a:p>
+            <a:pPr indent="-298450" lvl="0" marL="457200" rtl="0" algn="l">
+              <a:spcBef>
+                <a:spcPts val="1200"/>
+              </a:spcBef>
+              <a:spcAft>
+                <a:spcPts val="0"/>
+              </a:spcAft>
+              <a:buClr>
+                <a:srgbClr val="000000"/>
+              </a:buClr>
+              <a:buSzPts val="1100"/>
+              <a:buFont typeface="Arial"/>
+              <a:buChar char="●"/>
+            </a:pPr>
+            <a:r>
+              <a:rPr b="1" lang="en-GB" sz="1100">
+                <a:solidFill>
+                  <a:srgbClr val="000000"/>
+                </a:solidFill>
+                <a:latin typeface="Arial"/>
+                <a:ea typeface="Arial"/>
+                <a:cs typeface="Arial"/>
+                <a:sym typeface="Arial"/>
+              </a:rPr>
+              <a:t>Seasonal Predictions:</a:t>
+            </a:r>
+            <a:r>
+              <a:rPr lang="en-GB" sz="1100">
+                <a:solidFill>
+                  <a:srgbClr val="000000"/>
+                </a:solidFill>
+                <a:latin typeface="Arial"/>
+                <a:ea typeface="Arial"/>
+                <a:cs typeface="Arial"/>
+                <a:sym typeface="Arial"/>
+              </a:rPr>
+              <a:t> Predictive models are more reliable during ongoing seasons when more matches have been played, providing a larger dataset for analysis and reducing the impact of early-season variability.</a:t>
+            </a:r>
+            <a:endParaRPr sz="1100">
+              <a:solidFill>
+                <a:srgbClr val="000000"/>
+              </a:solidFill>
+              <a:latin typeface="Arial"/>
+              <a:ea typeface="Arial"/>
+              <a:cs typeface="Arial"/>
+              <a:sym typeface="Arial"/>
+            </a:endParaRPr>
+          </a:p>
+          <a:p>
+            <a:pPr indent="0" lvl="0" marL="0" rtl="0" algn="l">
+              <a:spcBef>
+                <a:spcPts val="1200"/>
+              </a:spcBef>
+              <a:spcAft>
+                <a:spcPts val="0"/>
+              </a:spcAft>
+              <a:buNone/>
+            </a:pPr>
+            <a:r>
+              <a:rPr b="1" lang="en-GB" sz="1100">
+                <a:solidFill>
+                  <a:srgbClr val="000000"/>
+                </a:solidFill>
+                <a:latin typeface="Arial"/>
+                <a:ea typeface="Arial"/>
+                <a:cs typeface="Arial"/>
+                <a:sym typeface="Arial"/>
+              </a:rPr>
+              <a:t>Roadblocks Encountered</a:t>
+            </a:r>
+            <a:endParaRPr b="1" sz="1100">
+              <a:solidFill>
+                <a:srgbClr val="000000"/>
+              </a:solidFill>
+              <a:latin typeface="Arial"/>
+              <a:ea typeface="Arial"/>
+              <a:cs typeface="Arial"/>
+              <a:sym typeface="Arial"/>
+            </a:endParaRPr>
+          </a:p>
+          <a:p>
+            <a:pPr indent="-298450" lvl="0" marL="457200" rtl="0" algn="l">
+              <a:spcBef>
+                <a:spcPts val="1200"/>
+              </a:spcBef>
+              <a:spcAft>
+                <a:spcPts val="0"/>
+              </a:spcAft>
+              <a:buClr>
+                <a:srgbClr val="000000"/>
+              </a:buClr>
+              <a:buSzPts val="1100"/>
+              <a:buFont typeface="Arial"/>
+              <a:buChar char="●"/>
+            </a:pPr>
+            <a:r>
+              <a:rPr b="1" lang="en-GB" sz="1100">
+                <a:solidFill>
+                  <a:srgbClr val="000000"/>
+                </a:solidFill>
+                <a:latin typeface="Arial"/>
+                <a:ea typeface="Arial"/>
+                <a:cs typeface="Arial"/>
+                <a:sym typeface="Arial"/>
+              </a:rPr>
+              <a:t>Performance of Dask:</a:t>
+            </a:r>
+            <a:r>
+              <a:rPr lang="en-GB" sz="1100">
+                <a:solidFill>
+                  <a:srgbClr val="000000"/>
+                </a:solidFill>
+                <a:latin typeface="Arial"/>
+                <a:ea typeface="Arial"/>
+                <a:cs typeface="Arial"/>
+                <a:sym typeface="Arial"/>
+              </a:rPr>
+              <a:t> The usage of Dask for data processing was suboptimal due to the dataset size being relatively small for its distributed computing capabilities. This resulted in slower processing compared to more conventional tools like pandas, which could handle the data efficiently within memory.</a:t>
+            </a:r>
+            <a:endParaRPr sz="1100">
+              <a:solidFill>
+                <a:srgbClr val="000000"/>
+              </a:solidFill>
+              <a:latin typeface="Arial"/>
+              <a:ea typeface="Arial"/>
+              <a:cs typeface="Arial"/>
+              <a:sym typeface="Arial"/>
+            </a:endParaRPr>
+          </a:p>
+          <a:p>
+            <a:pPr indent="0" lvl="0" marL="0" rtl="0" algn="l">
+              <a:spcBef>
+                <a:spcPts val="1200"/>
+              </a:spcBef>
+              <a:spcAft>
+                <a:spcPts val="0"/>
+              </a:spcAft>
+              <a:buNone/>
+            </a:pPr>
+            <a:r>
+              <a:rPr b="1" lang="en-GB" sz="1100">
+                <a:solidFill>
+                  <a:srgbClr val="000000"/>
+                </a:solidFill>
+                <a:latin typeface="Arial"/>
+                <a:ea typeface="Arial"/>
+                <a:cs typeface="Arial"/>
+                <a:sym typeface="Arial"/>
+              </a:rPr>
+              <a:t>Future Work</a:t>
+            </a:r>
+            <a:endParaRPr b="1" sz="1100">
+              <a:solidFill>
+                <a:srgbClr val="000000"/>
+              </a:solidFill>
+              <a:latin typeface="Arial"/>
+              <a:ea typeface="Arial"/>
+              <a:cs typeface="Arial"/>
+              <a:sym typeface="Arial"/>
+            </a:endParaRPr>
+          </a:p>
+          <a:p>
+            <a:pPr indent="-298450" lvl="0" marL="457200" rtl="0" algn="l">
+              <a:spcBef>
+                <a:spcPts val="1200"/>
+              </a:spcBef>
+              <a:spcAft>
+                <a:spcPts val="0"/>
+              </a:spcAft>
+              <a:buClr>
+                <a:srgbClr val="000000"/>
+              </a:buClr>
+              <a:buSzPts val="1100"/>
+              <a:buFont typeface="Arial"/>
+              <a:buChar char="●"/>
+            </a:pPr>
+            <a:r>
+              <a:rPr b="1" lang="en-GB" sz="1100">
+                <a:solidFill>
+                  <a:srgbClr val="000000"/>
+                </a:solidFill>
+                <a:latin typeface="Arial"/>
+                <a:ea typeface="Arial"/>
+                <a:cs typeface="Arial"/>
+                <a:sym typeface="Arial"/>
+              </a:rPr>
+              <a:t>Incorporation of Player Statistics</a:t>
+            </a:r>
+            <a:endParaRPr sz="1100">
+              <a:solidFill>
+                <a:srgbClr val="000000"/>
+              </a:solidFill>
+              <a:latin typeface="Arial"/>
+              <a:ea typeface="Arial"/>
+              <a:cs typeface="Arial"/>
+              <a:sym typeface="Arial"/>
+            </a:endParaRPr>
+          </a:p>
+          <a:p>
+            <a:pPr indent="-298450" lvl="0" marL="457200" rtl="0" algn="l">
+              <a:spcBef>
+                <a:spcPts val="0"/>
+              </a:spcBef>
+              <a:spcAft>
+                <a:spcPts val="0"/>
+              </a:spcAft>
+              <a:buClr>
+                <a:srgbClr val="000000"/>
+              </a:buClr>
+              <a:buSzPts val="1100"/>
+              <a:buFont typeface="Arial"/>
+              <a:buChar char="●"/>
+            </a:pPr>
+            <a:r>
+              <a:rPr b="1" lang="en-GB" sz="1100">
+                <a:solidFill>
+                  <a:srgbClr val="000000"/>
+                </a:solidFill>
+                <a:latin typeface="Arial"/>
+                <a:ea typeface="Arial"/>
+                <a:cs typeface="Arial"/>
+                <a:sym typeface="Arial"/>
+              </a:rPr>
+              <a:t>Consideration of Team Form</a:t>
+            </a:r>
+            <a:endParaRPr sz="1100">
+              <a:solidFill>
+                <a:srgbClr val="000000"/>
+              </a:solidFill>
+              <a:latin typeface="Arial"/>
+              <a:ea typeface="Arial"/>
+              <a:cs typeface="Arial"/>
+              <a:sym typeface="Arial"/>
+            </a:endParaRPr>
+          </a:p>
+          <a:p>
+            <a:pPr indent="-298450" lvl="0" marL="457200" rtl="0" algn="l">
+              <a:spcBef>
+                <a:spcPts val="0"/>
+              </a:spcBef>
+              <a:spcAft>
+                <a:spcPts val="0"/>
+              </a:spcAft>
+              <a:buClr>
+                <a:srgbClr val="000000"/>
+              </a:buClr>
+              <a:buSzPts val="1100"/>
+              <a:buFont typeface="Arial"/>
+              <a:buChar char="●"/>
+            </a:pPr>
+            <a:r>
+              <a:rPr b="1" lang="en-GB" sz="1100">
+                <a:solidFill>
+                  <a:srgbClr val="000000"/>
+                </a:solidFill>
+                <a:latin typeface="Arial"/>
+                <a:ea typeface="Arial"/>
+                <a:cs typeface="Arial"/>
+                <a:sym typeface="Arial"/>
+              </a:rPr>
+              <a:t>Predictive Analytics for Match Outcomes</a:t>
+            </a:r>
+            <a:endParaRPr/>
+          </a:p>
+        </p:txBody>
+      </p:sp>
+    </p:spTree>
+  </p:cSld>
+  <p:clrMapOvr>
+    <a:masterClrMapping/>
+  </p:clrMapOvr>
+</p:sld>
+</file>
+
+<file path=ppt/slides/slide21.xml><?xml version="1.0" encoding="utf-8"?>
+<p:sld xmlns:a="http://schemas.openxmlformats.org/drawingml/2006/main" xmlns:r="http://schemas.openxmlformats.org/officeDocument/2006/relationships" xmlns:mc="http://schemas.openxmlformats.org/markup-compatibility/2006" xmlns:mv="urn:schemas-microsoft-com:mac:vml" xmlns:p="http://schemas.openxmlformats.org/presentationml/2006/main" xmlns:c="http://schemas.openxmlformats.org/drawingml/2006/chart" xmlns:dgm="http://schemas.openxmlformats.org/drawingml/2006/diagram" xmlns:o="urn:schemas-microsoft-com:office:office" xmlns:v="urn:schemas-microsoft-com:vml" xmlns:pvml="urn:schemas-microsoft-com:office:powerpoint" xmlns:com="http://schemas.openxmlformats.org/drawingml/2006/compatibility" xmlns:p14="http://schemas.microsoft.com/office/powerpoint/2010/main" xmlns:p15="http://schemas.microsoft.com/office/powerpoint/2012/main" xmlns:ahyp="http://schemas.microsoft.com/office/drawing/2018/hyperlinkcolor">
+  <p:cSld>
+    <p:spTree>
+      <p:nvGrpSpPr>
+        <p:cNvPr id="225" name="Shape 225"/>
+        <p:cNvGrpSpPr/>
+        <p:nvPr/>
+      </p:nvGrpSpPr>
+      <p:grpSpPr>
+        <a:xfrm>
+          <a:off x="0" y="0"/>
+          <a:ext cx="0" cy="0"/>
+          <a:chOff x="0" y="0"/>
+          <a:chExt cx="0" cy="0"/>
+        </a:xfrm>
+      </p:grpSpPr>
+      <p:sp>
+        <p:nvSpPr>
+          <p:cNvPr id="226" name="Google Shape;226;p33"/>
+          <p:cNvSpPr txBox="1"/>
+          <p:nvPr>
+            <p:ph type="title"/>
+          </p:nvPr>
+        </p:nvSpPr>
+        <p:spPr>
+          <a:xfrm>
+            <a:off x="311700" y="410000"/>
+            <a:ext cx="8520600" cy="3924000"/>
+          </a:xfrm>
+          <a:prstGeom prst="rect">
+            <a:avLst/>
+          </a:prstGeom>
+        </p:spPr>
+        <p:txBody>
+          <a:bodyPr anchorCtr="0" anchor="ctr" bIns="91425" lIns="91425" spcFirstLastPara="1" rIns="91425" wrap="square" tIns="91425">
+            <a:normAutofit/>
+          </a:bodyPr>
+          <a:lstStyle/>
+          <a:p>
+            <a:pPr indent="0" lvl="0" marL="0" rtl="0" algn="ctr">
+              <a:spcBef>
+                <a:spcPts val="0"/>
+              </a:spcBef>
+              <a:spcAft>
+                <a:spcPts val="0"/>
+              </a:spcAft>
+              <a:buNone/>
+            </a:pPr>
+            <a:r>
+              <a:rPr lang="en-GB" sz="8000"/>
+              <a:t>Q &amp; A</a:t>
+            </a:r>
+            <a:endParaRPr sz="8000"/>
+          </a:p>
+        </p:txBody>
+      </p:sp>
+      <p:sp>
+        <p:nvSpPr>
+          <p:cNvPr id="227" name="Google Shape;227;p33"/>
           <p:cNvSpPr txBox="1"/>
           <p:nvPr>
             <p:ph idx="1" type="body"/>
@@ -12116,82 +12528,13 @@
         </p:spPr>
         <p:txBody>
           <a:bodyPr anchorCtr="0" anchor="t" bIns="91425" lIns="91425" spcFirstLastPara="1" rIns="91425" wrap="square" tIns="91425">
-            <a:normAutofit lnSpcReduction="10000"/>
+            <a:normAutofit/>
           </a:bodyPr>
           <a:lstStyle/>
           <a:p>
             <a:pPr indent="0" lvl="0" marL="0" rtl="0" algn="l">
               <a:spcBef>
-                <a:spcPts val="1200"/>
-              </a:spcBef>
-              <a:spcAft>
-                <a:spcPts val="0"/>
-              </a:spcAft>
-              <a:buNone/>
-            </a:pPr>
-            <a:r>
-              <a:rPr b="1" lang="en-GB" sz="2200">
-                <a:solidFill>
-                  <a:srgbClr val="000000"/>
-                </a:solidFill>
-                <a:latin typeface="Arial"/>
-                <a:ea typeface="Arial"/>
-                <a:cs typeface="Arial"/>
-                <a:sym typeface="Arial"/>
-              </a:rPr>
-              <a:t>What is MLS?</a:t>
-            </a:r>
-            <a:endParaRPr b="1" sz="2200">
-              <a:solidFill>
-                <a:srgbClr val="000000"/>
-              </a:solidFill>
-              <a:latin typeface="Arial"/>
-              <a:ea typeface="Arial"/>
-              <a:cs typeface="Arial"/>
-              <a:sym typeface="Arial"/>
-            </a:endParaRPr>
-          </a:p>
-          <a:p>
-            <a:pPr indent="-368300" lvl="0" marL="457200" rtl="0" algn="l">
-              <a:spcBef>
-                <a:spcPts val="1200"/>
-              </a:spcBef>
-              <a:spcAft>
-                <a:spcPts val="0"/>
-              </a:spcAft>
-              <a:buClr>
-                <a:srgbClr val="000000"/>
-              </a:buClr>
-              <a:buSzPts val="2200"/>
-              <a:buFont typeface="Arial"/>
-              <a:buChar char="●"/>
-            </a:pPr>
-            <a:r>
-              <a:rPr lang="en-GB" sz="2200">
-                <a:solidFill>
-                  <a:srgbClr val="000000"/>
-                </a:solidFill>
-                <a:latin typeface="Arial"/>
-                <a:ea typeface="Arial"/>
-                <a:cs typeface="Arial"/>
-                <a:sym typeface="Arial"/>
-              </a:rPr>
-              <a:t>Major League Soccer (MLS) is the professional soccer league in the United States and Canada. Founded in 1993, MLS has grown significantly, becoming a vital part of the North American sports landscape. It consists of teams from both countries and has a structured competition format leading to playoffs and the MLS Cup.</a:t>
-            </a:r>
-            <a:endParaRPr sz="2200">
-              <a:solidFill>
-                <a:srgbClr val="000000"/>
-              </a:solidFill>
-              <a:latin typeface="Arial"/>
-              <a:ea typeface="Arial"/>
-              <a:cs typeface="Arial"/>
-              <a:sym typeface="Arial"/>
-            </a:endParaRPr>
-          </a:p>
-          <a:p>
-            <a:pPr indent="0" lvl="0" marL="0" rtl="0" algn="l">
-              <a:spcBef>
-                <a:spcPts val="1200"/>
+                <a:spcPts val="0"/>
               </a:spcBef>
               <a:spcAft>
                 <a:spcPts val="1200"/>
@@ -12218,7 +12561,7 @@
   <p:cSld>
     <p:spTree>
       <p:nvGrpSpPr>
-        <p:cNvPr id="96" name="Shape 96"/>
+        <p:cNvPr id="97" name="Shape 97"/>
         <p:cNvGrpSpPr/>
         <p:nvPr/>
       </p:nvGrpSpPr>
@@ -12232,7 +12575,7 @@
       </p:grpSpPr>
       <p:sp>
         <p:nvSpPr>
-          <p:cNvPr id="97" name="Google Shape;97;p15"/>
+          <p:cNvPr id="98" name="Google Shape;98;p15"/>
           <p:cNvSpPr txBox="1"/>
           <p:nvPr>
             <p:ph type="title"/>
@@ -12272,7 +12615,7 @@
       </p:sp>
       <p:sp>
         <p:nvSpPr>
-          <p:cNvPr id="98" name="Google Shape;98;p15"/>
+          <p:cNvPr id="99" name="Google Shape;99;p15"/>
           <p:cNvSpPr txBox="1"/>
           <p:nvPr>
             <p:ph idx="1" type="body"/>
@@ -12433,7 +12776,7 @@
   <p:cSld>
     <p:spTree>
       <p:nvGrpSpPr>
-        <p:cNvPr id="102" name="Shape 102"/>
+        <p:cNvPr id="103" name="Shape 103"/>
         <p:cNvGrpSpPr/>
         <p:nvPr/>
       </p:nvGrpSpPr>
@@ -12447,7 +12790,7 @@
       </p:grpSpPr>
       <p:sp>
         <p:nvSpPr>
-          <p:cNvPr id="103" name="Google Shape;103;p16"/>
+          <p:cNvPr id="104" name="Google Shape;104;p16"/>
           <p:cNvSpPr txBox="1"/>
           <p:nvPr>
             <p:ph type="title"/>
@@ -12479,7 +12822,7 @@
             </a:pPr>
             <a:r>
               <a:rPr lang="en-GB"/>
-              <a:t>Data Collection &amp; Preprocessing</a:t>
+              <a:t>Data Collection, Preprocessing &amp; Tools</a:t>
             </a:r>
             <a:endParaRPr/>
           </a:p>
@@ -12487,7 +12830,7 @@
       </p:sp>
       <p:sp>
         <p:nvSpPr>
-          <p:cNvPr id="104" name="Google Shape;104;p16"/>
+          <p:cNvPr id="105" name="Google Shape;105;p16"/>
           <p:cNvSpPr txBox="1"/>
           <p:nvPr>
             <p:ph idx="1" type="body"/>
@@ -12504,7 +12847,7 @@
         </p:spPr>
         <p:txBody>
           <a:bodyPr anchorCtr="0" anchor="t" bIns="91425" lIns="91425" spcFirstLastPara="1" rIns="91425" wrap="square" tIns="91425">
-            <a:normAutofit fontScale="25000" lnSpcReduction="20000"/>
+            <a:normAutofit fontScale="32500" lnSpcReduction="20000"/>
           </a:bodyPr>
           <a:lstStyle/>
           <a:p>
@@ -12543,7 +12886,7 @@
             </a:endParaRPr>
           </a:p>
           <a:p>
-            <a:pPr indent="-301504" lvl="0" marL="457200" rtl="0" algn="l">
+            <a:pPr indent="-323375" lvl="0" marL="457200" rtl="0" algn="l">
               <a:spcBef>
                 <a:spcPts val="1200"/>
               </a:spcBef>
@@ -12593,7 +12936,7 @@
             </a:endParaRPr>
           </a:p>
           <a:p>
-            <a:pPr indent="-301504" lvl="0" marL="457200" rtl="0" algn="l">
+            <a:pPr indent="-323375" lvl="0" marL="457200" rtl="0" algn="l">
               <a:spcBef>
                 <a:spcPts val="0"/>
               </a:spcBef>
@@ -12613,7 +12956,7 @@
                 <a:cs typeface="Average"/>
                 <a:sym typeface="Average"/>
               </a:rPr>
-              <a:t>Scope: The dataset includes a wide range of metrics such as goals scored, assists, shots on goal, fouls committed, and various team and player statistics.</a:t>
+              <a:t>Scope: The dataset includes a wide range of metrics such as goals scored, assists, shots on goal, fouls committed, and various team statistics.</a:t>
             </a:r>
             <a:endParaRPr sz="4592">
               <a:solidFill>
@@ -12670,7 +13013,7 @@
             </a:endParaRPr>
           </a:p>
           <a:p>
-            <a:pPr indent="-301504" lvl="0" marL="457200" rtl="0" algn="l">
+            <a:pPr indent="-323375" lvl="0" marL="457200" rtl="0" algn="l">
               <a:spcBef>
                 <a:spcPts val="1200"/>
               </a:spcBef>
@@ -12694,7 +13037,19 @@
                 <a:cs typeface="Average"/>
                 <a:sym typeface="Average"/>
               </a:rPr>
-              <a:t>Cleaning Procedures: Handled missing values using appropriate imputation techniques (e.g., mean, median) and addressed outliers to maintain dataset integrity.</a:t>
+              <a:t>Cleaning Procedures: Handled missing values,</a:t>
+            </a:r>
+            <a:r>
+              <a:rPr lang="en-GB" sz="4592">
+                <a:solidFill>
+                  <a:srgbClr val="000000"/>
+                </a:solidFill>
+                <a:latin typeface="Average"/>
+                <a:ea typeface="Average"/>
+                <a:cs typeface="Average"/>
+                <a:sym typeface="Average"/>
+              </a:rPr>
+              <a:t>Converted data types as necessary (e.g., numeric, categorical) to facilitate effective data manipulation and analysis </a:t>
             </a:r>
             <a:endParaRPr sz="4592">
               <a:solidFill>
@@ -12707,7 +13062,7 @@
             </a:endParaRPr>
           </a:p>
           <a:p>
-            <a:pPr indent="-301504" lvl="0" marL="457200" rtl="0" algn="l">
+            <a:pPr indent="-323375" lvl="0" marL="457200" rtl="0" algn="l">
               <a:spcBef>
                 <a:spcPts val="0"/>
               </a:spcBef>
@@ -12744,67 +13099,6 @@
             </a:endParaRPr>
           </a:p>
           <a:p>
-            <a:pPr indent="-301504" lvl="0" marL="457200" rtl="0" algn="l">
-              <a:spcBef>
-                <a:spcPts val="0"/>
-              </a:spcBef>
-              <a:spcAft>
-                <a:spcPts val="0"/>
-              </a:spcAft>
-              <a:buClr>
-                <a:srgbClr val="000000"/>
-              </a:buClr>
-              <a:buSzPct val="100000"/>
-              <a:buFont typeface="Arial"/>
-              <a:buChar char="●"/>
-            </a:pPr>
-            <a:r>
-              <a:rPr lang="en-GB" sz="4592">
-                <a:solidFill>
-                  <a:srgbClr val="000000"/>
-                </a:solidFill>
-                <a:latin typeface="Average"/>
-                <a:ea typeface="Average"/>
-                <a:cs typeface="Average"/>
-                <a:sym typeface="Average"/>
-              </a:rPr>
-              <a:t>Data Format: Converted data types as necessary (e.g., numeric, categorical) to facilitate effective data manipulation and analysis using </a:t>
-            </a:r>
-            <a:r>
-              <a:rPr lang="en-GB" sz="4592">
-                <a:solidFill>
-                  <a:srgbClr val="000000"/>
-                </a:solidFill>
-                <a:latin typeface="Average"/>
-                <a:ea typeface="Average"/>
-                <a:cs typeface="Average"/>
-                <a:sym typeface="Average"/>
-              </a:rPr>
-              <a:t>Python</a:t>
-            </a:r>
-            <a:r>
-              <a:rPr lang="en-GB" sz="4592">
-                <a:solidFill>
-                  <a:srgbClr val="000000"/>
-                </a:solidFill>
-                <a:latin typeface="Average"/>
-                <a:ea typeface="Average"/>
-                <a:cs typeface="Average"/>
-                <a:sym typeface="Average"/>
-              </a:rPr>
-              <a:t> pandas library</a:t>
-            </a:r>
-            <a:endParaRPr sz="4592">
-              <a:solidFill>
-                <a:srgbClr val="000000"/>
-              </a:solidFill>
-              <a:latin typeface="Average"/>
-              <a:ea typeface="Average"/>
-              <a:cs typeface="Average"/>
-              <a:sym typeface="Average"/>
-            </a:endParaRPr>
-          </a:p>
-          <a:p>
             <a:pPr indent="0" lvl="0" marL="0" rtl="0" algn="l">
               <a:spcBef>
                 <a:spcPts val="1200"/>
@@ -12849,7 +13143,7 @@
             </a:endParaRPr>
           </a:p>
           <a:p>
-            <a:pPr indent="-301504" lvl="0" marL="457200" rtl="0" algn="l">
+            <a:pPr indent="-323375" lvl="0" marL="457200" rtl="0" algn="l">
               <a:spcBef>
                 <a:spcPts val="1200"/>
               </a:spcBef>
@@ -12873,44 +13167,7 @@
                 <a:cs typeface="Average"/>
                 <a:sym typeface="Average"/>
               </a:rPr>
-              <a:t>Python: Chosen for its versatility in data handling and statistical analysis capabilities.</a:t>
-            </a:r>
-            <a:endParaRPr sz="4592">
-              <a:solidFill>
-                <a:srgbClr val="000000"/>
-              </a:solidFill>
-              <a:latin typeface="Average"/>
-              <a:ea typeface="Average"/>
-              <a:cs typeface="Average"/>
-              <a:sym typeface="Average"/>
-            </a:endParaRPr>
-          </a:p>
-          <a:p>
-            <a:pPr indent="-301504" lvl="0" marL="457200" rtl="0" algn="l">
-              <a:spcBef>
-                <a:spcPts val="0"/>
-              </a:spcBef>
-              <a:spcAft>
-                <a:spcPts val="0"/>
-              </a:spcAft>
-              <a:buClr>
-                <a:srgbClr val="000000"/>
-              </a:buClr>
-              <a:buSzPct val="100000"/>
-              <a:buFont typeface="Arial"/>
-              <a:buChar char="●"/>
-            </a:pPr>
-            <a:r>
-              <a:rPr lang="en-GB" sz="4592">
-                <a:solidFill>
-                  <a:srgbClr val="000000"/>
-                </a:solidFill>
-                <a:latin typeface="Average"/>
-                <a:ea typeface="Average"/>
-                <a:cs typeface="Average"/>
-                <a:sym typeface="Average"/>
-              </a:rPr>
-              <a:t>Dask: Employed for efficient parallel computing, optimizing data preprocessing tasks given the large volume of MLS data.</a:t>
+              <a:t>Python, Pandas, Matplot, Seaborn, Sklearn and Dask</a:t>
             </a:r>
             <a:endParaRPr sz="4592">
               <a:solidFill>
@@ -12960,7 +13217,7 @@
   <p:cSld>
     <p:spTree>
       <p:nvGrpSpPr>
-        <p:cNvPr id="108" name="Shape 108"/>
+        <p:cNvPr id="109" name="Shape 109"/>
         <p:cNvGrpSpPr/>
         <p:nvPr/>
       </p:nvGrpSpPr>
@@ -12974,7 +13231,7 @@
       </p:grpSpPr>
       <p:sp>
         <p:nvSpPr>
-          <p:cNvPr id="109" name="Google Shape;109;p17"/>
+          <p:cNvPr id="110" name="Google Shape;110;p17"/>
           <p:cNvSpPr txBox="1"/>
           <p:nvPr>
             <p:ph type="title"/>
@@ -13018,7 +13275,7 @@
       </p:sp>
       <p:sp>
         <p:nvSpPr>
-          <p:cNvPr id="110" name="Google Shape;110;p17"/>
+          <p:cNvPr id="111" name="Google Shape;111;p17"/>
           <p:cNvSpPr txBox="1"/>
           <p:nvPr>
             <p:ph idx="1" type="body"/>
@@ -13233,7 +13490,19 @@
                 <a:cs typeface="Arial"/>
                 <a:sym typeface="Arial"/>
               </a:rPr>
-              <a:t>Covers total scoring attempts, on-target attempts, and set-piece effectiveness.</a:t>
+              <a:t>Features include</a:t>
+            </a:r>
+            <a:r>
+              <a:rPr lang="en-GB" sz="1100">
+                <a:solidFill>
+                  <a:srgbClr val="000000"/>
+                </a:solidFill>
+                <a:latin typeface="Arial"/>
+                <a:ea typeface="Arial"/>
+                <a:cs typeface="Arial"/>
+                <a:sym typeface="Arial"/>
+              </a:rPr>
+              <a:t> total scoring attempts, on-target attempts, and set-piece effectiveness.</a:t>
             </a:r>
             <a:endParaRPr sz="1100">
               <a:solidFill>
@@ -13339,7 +13608,31 @@
                 <a:cs typeface="Arial"/>
                 <a:sym typeface="Arial"/>
               </a:rPr>
-              <a:t>Includes metrics like saves, clean sheets, and interceptions.</a:t>
+              <a:t>F</a:t>
+            </a:r>
+            <a:r>
+              <a:rPr lang="en-GB" sz="1100">
+                <a:solidFill>
+                  <a:srgbClr val="000000"/>
+                </a:solidFill>
+                <a:latin typeface="Arial"/>
+                <a:ea typeface="Arial"/>
+                <a:cs typeface="Arial"/>
+                <a:sym typeface="Arial"/>
+              </a:rPr>
+              <a:t>eatures include</a:t>
+            </a:r>
+            <a:r>
+              <a:rPr lang="en-GB" sz="1100">
+                <a:solidFill>
+                  <a:srgbClr val="000000"/>
+                </a:solidFill>
+                <a:latin typeface="Arial"/>
+                <a:ea typeface="Arial"/>
+                <a:cs typeface="Arial"/>
+                <a:sym typeface="Arial"/>
+              </a:rPr>
+              <a:t> metrics like saves, clean sheets, and interceptions.</a:t>
             </a:r>
             <a:endParaRPr sz="1100">
               <a:solidFill>
@@ -13445,7 +13738,19 @@
                 <a:cs typeface="Arial"/>
                 <a:sym typeface="Arial"/>
               </a:rPr>
-              <a:t>Features possession percentage, pass accuracy, and successful dribbles.</a:t>
+              <a:t>Features include</a:t>
+            </a:r>
+            <a:r>
+              <a:rPr lang="en-GB" sz="1100">
+                <a:solidFill>
+                  <a:srgbClr val="000000"/>
+                </a:solidFill>
+                <a:latin typeface="Arial"/>
+                <a:ea typeface="Arial"/>
+                <a:cs typeface="Arial"/>
+                <a:sym typeface="Arial"/>
+              </a:rPr>
+              <a:t> possession percentage, pass accuracy, and successful dribbles.</a:t>
             </a:r>
             <a:endParaRPr sz="1100">
               <a:solidFill>
@@ -13524,7 +13829,7 @@
   <p:cSld>
     <p:spTree>
       <p:nvGrpSpPr>
-        <p:cNvPr id="114" name="Shape 114"/>
+        <p:cNvPr id="115" name="Shape 115"/>
         <p:cNvGrpSpPr/>
         <p:nvPr/>
       </p:nvGrpSpPr>
@@ -13538,7 +13843,7 @@
       </p:grpSpPr>
       <p:sp>
         <p:nvSpPr>
-          <p:cNvPr id="115" name="Google Shape;115;p18"/>
+          <p:cNvPr id="116" name="Google Shape;116;p18"/>
           <p:cNvSpPr txBox="1"/>
           <p:nvPr>
             <p:ph type="title"/>
@@ -13578,7 +13883,7 @@
       </p:sp>
       <p:sp>
         <p:nvSpPr>
-          <p:cNvPr id="116" name="Google Shape;116;p18"/>
+          <p:cNvPr id="117" name="Google Shape;117;p18"/>
           <p:cNvSpPr txBox="1"/>
           <p:nvPr>
             <p:ph idx="1" type="body"/>
@@ -13678,7 +13983,7 @@
   <p:cSld>
     <p:spTree>
       <p:nvGrpSpPr>
-        <p:cNvPr id="120" name="Shape 120"/>
+        <p:cNvPr id="121" name="Shape 121"/>
         <p:cNvGrpSpPr/>
         <p:nvPr/>
       </p:nvGrpSpPr>
@@ -13692,7 +13997,7 @@
       </p:grpSpPr>
       <p:sp>
         <p:nvSpPr>
-          <p:cNvPr id="121" name="Google Shape;121;p19"/>
+          <p:cNvPr id="122" name="Google Shape;122;p19"/>
           <p:cNvSpPr txBox="1"/>
           <p:nvPr>
             <p:ph type="title"/>
@@ -13736,7 +14041,7 @@
       </p:sp>
       <p:graphicFrame>
         <p:nvGraphicFramePr>
-          <p:cNvPr id="122" name="Google Shape;122;p19"/>
+          <p:cNvPr id="123" name="Google Shape;123;p19"/>
           <p:cNvGraphicFramePr/>
           <p:nvPr/>
         </p:nvGraphicFramePr>
@@ -13749,7 +14054,7 @@
             <a:tbl>
               <a:tblPr>
                 <a:noFill/>
-                <a:tableStyleId>{F0C14914-2751-4B7C-8B1D-25D9759E9B05}</a:tableStyleId>
+                <a:tableStyleId>{30A6C69D-188B-493E-8994-B1240EB18F0C}</a:tableStyleId>
               </a:tblPr>
               <a:tblGrid>
                 <a:gridCol w="8520600"/>
@@ -13804,7 +14109,7 @@
       </p:graphicFrame>
       <p:pic>
         <p:nvPicPr>
-          <p:cNvPr id="123" name="Google Shape;123;p19"/>
+          <p:cNvPr id="124" name="Google Shape;124;p19"/>
           <p:cNvPicPr preferRelativeResize="0"/>
           <p:nvPr/>
         </p:nvPicPr>
@@ -13843,7 +14148,7 @@
   <p:cSld>
     <p:spTree>
       <p:nvGrpSpPr>
-        <p:cNvPr id="127" name="Shape 127"/>
+        <p:cNvPr id="128" name="Shape 128"/>
         <p:cNvGrpSpPr/>
         <p:nvPr/>
       </p:nvGrpSpPr>
@@ -13857,7 +14162,7 @@
       </p:grpSpPr>
       <p:sp>
         <p:nvSpPr>
-          <p:cNvPr id="128" name="Google Shape;128;p20"/>
+          <p:cNvPr id="129" name="Google Shape;129;p20"/>
           <p:cNvSpPr txBox="1"/>
           <p:nvPr>
             <p:ph type="title"/>
@@ -13897,7 +14202,7 @@
       </p:sp>
       <p:graphicFrame>
         <p:nvGraphicFramePr>
-          <p:cNvPr id="129" name="Google Shape;129;p20"/>
+          <p:cNvPr id="130" name="Google Shape;130;p20"/>
           <p:cNvGraphicFramePr/>
           <p:nvPr/>
         </p:nvGraphicFramePr>
@@ -13910,7 +14215,7 @@
             <a:tbl>
               <a:tblPr>
                 <a:noFill/>
-                <a:tableStyleId>{F0C14914-2751-4B7C-8B1D-25D9759E9B05}</a:tableStyleId>
+                <a:tableStyleId>{30A6C69D-188B-493E-8994-B1240EB18F0C}</a:tableStyleId>
               </a:tblPr>
               <a:tblGrid>
                 <a:gridCol w="8068825"/>
@@ -13961,7 +14266,7 @@
       </p:graphicFrame>
       <p:pic>
         <p:nvPicPr>
-          <p:cNvPr id="130" name="Google Shape;130;p20"/>
+          <p:cNvPr id="131" name="Google Shape;131;p20"/>
           <p:cNvPicPr preferRelativeResize="0"/>
           <p:nvPr/>
         </p:nvPicPr>
@@ -14000,7 +14305,7 @@
   <p:cSld>
     <p:spTree>
       <p:nvGrpSpPr>
-        <p:cNvPr id="134" name="Shape 134"/>
+        <p:cNvPr id="135" name="Shape 135"/>
         <p:cNvGrpSpPr/>
         <p:nvPr/>
       </p:nvGrpSpPr>
@@ -14014,7 +14319,7 @@
       </p:grpSpPr>
       <p:sp>
         <p:nvSpPr>
-          <p:cNvPr id="135" name="Google Shape;135;p21"/>
+          <p:cNvPr id="136" name="Google Shape;136;p21"/>
           <p:cNvSpPr txBox="1"/>
           <p:nvPr>
             <p:ph type="title"/>
@@ -14054,7 +14359,7 @@
       </p:sp>
       <p:graphicFrame>
         <p:nvGraphicFramePr>
-          <p:cNvPr id="136" name="Google Shape;136;p21"/>
+          <p:cNvPr id="137" name="Google Shape;137;p21"/>
           <p:cNvGraphicFramePr/>
           <p:nvPr/>
         </p:nvGraphicFramePr>
@@ -14067,7 +14372,7 @@
             <a:tbl>
               <a:tblPr>
                 <a:noFill/>
-                <a:tableStyleId>{F0C14914-2751-4B7C-8B1D-25D9759E9B05}</a:tableStyleId>
+                <a:tableStyleId>{30A6C69D-188B-493E-8994-B1240EB18F0C}</a:tableStyleId>
               </a:tblPr>
               <a:tblGrid>
                 <a:gridCol w="8068825"/>
@@ -14122,7 +14427,7 @@
       </p:graphicFrame>
       <p:pic>
         <p:nvPicPr>
-          <p:cNvPr id="137" name="Google Shape;137;p21"/>
+          <p:cNvPr id="138" name="Google Shape;138;p21"/>
           <p:cNvPicPr preferRelativeResize="0"/>
           <p:nvPr/>
         </p:nvPicPr>
@@ -14157,6 +14462,285 @@
 </file>
 
 <file path=ppt/theme/theme1.xml><?xml version="1.0" encoding="utf-8"?>
+<a:theme xmlns:a="http://schemas.openxmlformats.org/drawingml/2006/main" xmlns:r="http://schemas.openxmlformats.org/officeDocument/2006/relationships">
+  <a:themeElements>
+    <a:clrScheme name="Default">
+      <a:dk1>
+        <a:srgbClr val="000000"/>
+      </a:dk1>
+      <a:lt1>
+        <a:srgbClr val="FFFFFF"/>
+      </a:lt1>
+      <a:dk2>
+        <a:srgbClr val="158158"/>
+      </a:dk2>
+      <a:lt2>
+        <a:srgbClr val="F3F3F3"/>
+      </a:lt2>
+      <a:accent1>
+        <a:srgbClr val="058DC7"/>
+      </a:accent1>
+      <a:accent2>
+        <a:srgbClr val="50B432"/>
+      </a:accent2>
+      <a:accent3>
+        <a:srgbClr val="ED561B"/>
+      </a:accent3>
+      <a:accent4>
+        <a:srgbClr val="EDEF00"/>
+      </a:accent4>
+      <a:accent5>
+        <a:srgbClr val="24CBE5"/>
+      </a:accent5>
+      <a:accent6>
+        <a:srgbClr val="64E572"/>
+      </a:accent6>
+      <a:hlink>
+        <a:srgbClr val="2200CC"/>
+      </a:hlink>
+      <a:folHlink>
+        <a:srgbClr val="551A8B"/>
+      </a:folHlink>
+    </a:clrScheme>
+    <a:fontScheme name="Office">
+      <a:majorFont>
+        <a:latin typeface="Arial"/>
+        <a:ea typeface=""/>
+        <a:cs typeface=""/>
+        <a:font script="Jpan" typeface="ＭＳ Ｐゴシック"/>
+        <a:font script="Hang" typeface="맑은 고딕"/>
+        <a:font script="Hans" typeface="宋体"/>
+        <a:font script="Hant" typeface="新細明體"/>
+        <a:font script="Arab" typeface="Times New Roman"/>
+        <a:font script="Hebr" typeface="Times New Roman"/>
+        <a:font script="Thai" typeface="Angsana New"/>
+        <a:font script="Ethi" typeface="Nyala"/>
+        <a:font script="Beng" typeface="Vrinda"/>
+        <a:font script="Gujr" typeface="Shruti"/>
+        <a:font script="Khmr" typeface="MoolBoran"/>
+        <a:font script="Knda" typeface="Tunga"/>
+        <a:font script="Guru" typeface="Raavi"/>
+        <a:font script="Cans" typeface="Euphemia"/>
+        <a:font script="Cher" typeface="Plantagenet Cherokee"/>
+        <a:font script="Yiii" typeface="Microsoft Yi Baiti"/>
+        <a:font script="Tibt" typeface="Microsoft Himalaya"/>
+        <a:font script="Thaa" typeface="MV Boli"/>
+        <a:font script="Deva" typeface="Mangal"/>
+        <a:font script="Telu" typeface="Gautami"/>
+        <a:font script="Taml" typeface="Latha"/>
+        <a:font script="Syrc" typeface="Estrangelo Edessa"/>
+        <a:font script="Orya" typeface="Kalinga"/>
+        <a:font script="Mlym" typeface="Kartika"/>
+        <a:font script="Laoo" typeface="DokChampa"/>
+        <a:font script="Sinh" typeface="Iskoola Pota"/>
+        <a:font script="Mong" typeface="Mongolian Baiti"/>
+        <a:font script="Viet" typeface="Times New Roman"/>
+        <a:font script="Uigh" typeface="Microsoft Uighur"/>
+        <a:font script="Geor" typeface="Sylfaen"/>
+      </a:majorFont>
+      <a:minorFont>
+        <a:latin typeface="Arial"/>
+        <a:ea typeface=""/>
+        <a:cs typeface=""/>
+        <a:font script="Jpan" typeface="ＭＳ Ｐゴシック"/>
+        <a:font script="Hang" typeface="맑은 고딕"/>
+        <a:font script="Hans" typeface="宋体"/>
+        <a:font script="Hant" typeface="新細明體"/>
+        <a:font script="Arab" typeface="Arial"/>
+        <a:font script="Hebr" typeface="Arial"/>
+        <a:font script="Thai" typeface="Cordia New"/>
+        <a:font script="Ethi" typeface="Nyala"/>
+        <a:font script="Beng" typeface="Vrinda"/>
+        <a:font script="Gujr" typeface="Shruti"/>
+        <a:font script="Khmr" typeface="DaunPenh"/>
+        <a:font script="Knda" typeface="Tunga"/>
+        <a:font script="Guru" typeface="Raavi"/>
+        <a:font script="Cans" typeface="Euphemia"/>
+        <a:font script="Cher" typeface="Plantagenet Cherokee"/>
+        <a:font script="Yiii" typeface="Microsoft Yi Baiti"/>
+        <a:font script="Tibt" typeface="Microsoft Himalaya"/>
+        <a:font script="Thaa" typeface="MV Boli"/>
+        <a:font script="Deva" typeface="Mangal"/>
+        <a:font script="Telu" typeface="Gautami"/>
+        <a:font script="Taml" typeface="Latha"/>
+        <a:font script="Syrc" typeface="Estrangelo Edessa"/>
+        <a:font script="Orya" typeface="Kalinga"/>
+        <a:font script="Mlym" typeface="Kartika"/>
+        <a:font script="Laoo" typeface="DokChampa"/>
+        <a:font script="Sinh" typeface="Iskoola Pota"/>
+        <a:font script="Mong" typeface="Mongolian Baiti"/>
+        <a:font script="Viet" typeface="Arial"/>
+        <a:font script="Uigh" typeface="Microsoft Uighur"/>
+        <a:font script="Geor" typeface="Sylfaen"/>
+      </a:minorFont>
+    </a:fontScheme>
+    <a:fmtScheme name="Office">
+      <a:fillStyleLst>
+        <a:solidFill>
+          <a:schemeClr val="phClr"/>
+        </a:solidFill>
+        <a:gradFill rotWithShape="1">
+          <a:gsLst>
+            <a:gs pos="0">
+              <a:schemeClr val="phClr">
+                <a:tint val="50000"/>
+                <a:satMod val="300000"/>
+              </a:schemeClr>
+            </a:gs>
+            <a:gs pos="35000">
+              <a:schemeClr val="phClr">
+                <a:tint val="37000"/>
+                <a:satMod val="300000"/>
+              </a:schemeClr>
+            </a:gs>
+            <a:gs pos="100000">
+              <a:schemeClr val="phClr">
+                <a:tint val="15000"/>
+                <a:satMod val="350000"/>
+              </a:schemeClr>
+            </a:gs>
+          </a:gsLst>
+          <a:lin ang="16200000" scaled="1"/>
+        </a:gradFill>
+        <a:gradFill rotWithShape="1">
+          <a:gsLst>
+            <a:gs pos="0">
+              <a:schemeClr val="phClr">
+                <a:tint val="100000"/>
+                <a:shade val="100000"/>
+                <a:satMod val="130000"/>
+              </a:schemeClr>
+            </a:gs>
+            <a:gs pos="100000">
+              <a:schemeClr val="phClr">
+                <a:tint val="50000"/>
+                <a:shade val="100000"/>
+                <a:satMod val="350000"/>
+              </a:schemeClr>
+            </a:gs>
+          </a:gsLst>
+          <a:lin ang="16200000" scaled="0"/>
+        </a:gradFill>
+      </a:fillStyleLst>
+      <a:lnStyleLst>
+        <a:ln w="9525" cap="flat" cmpd="sng" algn="ctr">
+          <a:solidFill>
+            <a:schemeClr val="phClr">
+              <a:shade val="95000"/>
+              <a:satMod val="105000"/>
+            </a:schemeClr>
+          </a:solidFill>
+          <a:prstDash val="solid"/>
+        </a:ln>
+        <a:ln w="25400" cap="flat" cmpd="sng" algn="ctr">
+          <a:solidFill>
+            <a:schemeClr val="phClr"/>
+          </a:solidFill>
+          <a:prstDash val="solid"/>
+        </a:ln>
+        <a:ln w="38100" cap="flat" cmpd="sng" algn="ctr">
+          <a:solidFill>
+            <a:schemeClr val="phClr"/>
+          </a:solidFill>
+          <a:prstDash val="solid"/>
+        </a:ln>
+      </a:lnStyleLst>
+      <a:effectStyleLst>
+        <a:effectStyle>
+          <a:effectLst>
+            <a:outerShdw blurRad="40000" dist="20000" dir="5400000" rotWithShape="0">
+              <a:srgbClr val="000000">
+                <a:alpha val="38000"/>
+              </a:srgbClr>
+            </a:outerShdw>
+          </a:effectLst>
+        </a:effectStyle>
+        <a:effectStyle>
+          <a:effectLst>
+            <a:outerShdw blurRad="40000" dist="23000" dir="5400000" rotWithShape="0">
+              <a:srgbClr val="000000">
+                <a:alpha val="35000"/>
+              </a:srgbClr>
+            </a:outerShdw>
+          </a:effectLst>
+        </a:effectStyle>
+        <a:effectStyle>
+          <a:effectLst>
+            <a:outerShdw blurRad="40000" dist="23000" dir="5400000" rotWithShape="0">
+              <a:srgbClr val="000000">
+                <a:alpha val="35000"/>
+              </a:srgbClr>
+            </a:outerShdw>
+          </a:effectLst>
+          <a:scene3d>
+            <a:camera prst="orthographicFront">
+              <a:rot lat="0" lon="0" rev="0"/>
+            </a:camera>
+            <a:lightRig rig="threePt" dir="t">
+              <a:rot lat="0" lon="0" rev="1200000"/>
+            </a:lightRig>
+          </a:scene3d>
+          <a:sp3d>
+            <a:bevelT w="63500" h="25400"/>
+          </a:sp3d>
+        </a:effectStyle>
+      </a:effectStyleLst>
+      <a:bgFillStyleLst>
+        <a:solidFill>
+          <a:schemeClr val="phClr"/>
+        </a:solidFill>
+        <a:gradFill rotWithShape="1">
+          <a:gsLst>
+            <a:gs pos="0">
+              <a:schemeClr val="phClr">
+                <a:tint val="40000"/>
+                <a:satMod val="350000"/>
+              </a:schemeClr>
+            </a:gs>
+            <a:gs pos="40000">
+              <a:schemeClr val="phClr">
+                <a:tint val="45000"/>
+                <a:shade val="99000"/>
+                <a:satMod val="350000"/>
+              </a:schemeClr>
+            </a:gs>
+            <a:gs pos="100000">
+              <a:schemeClr val="phClr">
+                <a:shade val="20000"/>
+                <a:satMod val="255000"/>
+              </a:schemeClr>
+            </a:gs>
+          </a:gsLst>
+          <a:path path="circle">
+            <a:fillToRect l="50000" t="-80000" r="50000" b="180000"/>
+          </a:path>
+        </a:gradFill>
+        <a:gradFill rotWithShape="1">
+          <a:gsLst>
+            <a:gs pos="0">
+              <a:schemeClr val="phClr">
+                <a:tint val="80000"/>
+                <a:satMod val="300000"/>
+              </a:schemeClr>
+            </a:gs>
+            <a:gs pos="100000">
+              <a:schemeClr val="phClr">
+                <a:shade val="30000"/>
+                <a:satMod val="200000"/>
+              </a:schemeClr>
+            </a:gs>
+          </a:gsLst>
+          <a:path path="circle">
+            <a:fillToRect l="50000" t="50000" r="50000" b="50000"/>
+          </a:path>
+        </a:gradFill>
+      </a:bgFillStyleLst>
+    </a:fmtScheme>
+  </a:themeElements>
+</a:theme>
+</file>
+
+<file path=ppt/theme/theme2.xml><?xml version="1.0" encoding="utf-8"?>
 <a:theme xmlns:a="http://schemas.openxmlformats.org/drawingml/2006/main" xmlns:r="http://schemas.openxmlformats.org/officeDocument/2006/relationships" name="Geometric">
   <a:themeElements>
     <a:clrScheme name="Geometric">
@@ -14433,283 +15017,4 @@
     </a:fmtScheme>
   </a:themeElements>
 </a:theme>
-</file>
-
-<file path=ppt/theme/theme2.xml><?xml version="1.0" encoding="utf-8"?>
-<a:theme xmlns:a="http://schemas.openxmlformats.org/drawingml/2006/main" xmlns:r="http://schemas.openxmlformats.org/officeDocument/2006/relationships">
-  <a:themeElements>
-    <a:clrScheme name="Default">
-      <a:dk1>
-        <a:srgbClr val="000000"/>
-      </a:dk1>
-      <a:lt1>
-        <a:srgbClr val="FFFFFF"/>
-      </a:lt1>
-      <a:dk2>
-        <a:srgbClr val="158158"/>
-      </a:dk2>
-      <a:lt2>
-        <a:srgbClr val="F3F3F3"/>
-      </a:lt2>
-      <a:accent1>
-        <a:srgbClr val="058DC7"/>
-      </a:accent1>
-      <a:accent2>
-        <a:srgbClr val="50B432"/>
-      </a:accent2>
-      <a:accent3>
-        <a:srgbClr val="ED561B"/>
-      </a:accent3>
-      <a:accent4>
-        <a:srgbClr val="EDEF00"/>
-      </a:accent4>
-      <a:accent5>
-        <a:srgbClr val="24CBE5"/>
-      </a:accent5>
-      <a:accent6>
-        <a:srgbClr val="64E572"/>
-      </a:accent6>
-      <a:hlink>
-        <a:srgbClr val="2200CC"/>
-      </a:hlink>
-      <a:folHlink>
-        <a:srgbClr val="551A8B"/>
-      </a:folHlink>
-    </a:clrScheme>
-    <a:fontScheme name="Office">
-      <a:majorFont>
-        <a:latin typeface="Arial"/>
-        <a:ea typeface=""/>
-        <a:cs typeface=""/>
-        <a:font script="Jpan" typeface="ＭＳ Ｐゴシック"/>
-        <a:font script="Hang" typeface="맑은 고딕"/>
-        <a:font script="Hans" typeface="宋体"/>
-        <a:font script="Hant" typeface="新細明體"/>
-        <a:font script="Arab" typeface="Times New Roman"/>
-        <a:font script="Hebr" typeface="Times New Roman"/>
-        <a:font script="Thai" typeface="Angsana New"/>
-        <a:font script="Ethi" typeface="Nyala"/>
-        <a:font script="Beng" typeface="Vrinda"/>
-        <a:font script="Gujr" typeface="Shruti"/>
-        <a:font script="Khmr" typeface="MoolBoran"/>
-        <a:font script="Knda" typeface="Tunga"/>
-        <a:font script="Guru" typeface="Raavi"/>
-        <a:font script="Cans" typeface="Euphemia"/>
-        <a:font script="Cher" typeface="Plantagenet Cherokee"/>
-        <a:font script="Yiii" typeface="Microsoft Yi Baiti"/>
-        <a:font script="Tibt" typeface="Microsoft Himalaya"/>
-        <a:font script="Thaa" typeface="MV Boli"/>
-        <a:font script="Deva" typeface="Mangal"/>
-        <a:font script="Telu" typeface="Gautami"/>
-        <a:font script="Taml" typeface="Latha"/>
-        <a:font script="Syrc" typeface="Estrangelo Edessa"/>
-        <a:font script="Orya" typeface="Kalinga"/>
-        <a:font script="Mlym" typeface="Kartika"/>
-        <a:font script="Laoo" typeface="DokChampa"/>
-        <a:font script="Sinh" typeface="Iskoola Pota"/>
-        <a:font script="Mong" typeface="Mongolian Baiti"/>
-        <a:font script="Viet" typeface="Times New Roman"/>
-        <a:font script="Uigh" typeface="Microsoft Uighur"/>
-        <a:font script="Geor" typeface="Sylfaen"/>
-      </a:majorFont>
-      <a:minorFont>
-        <a:latin typeface="Arial"/>
-        <a:ea typeface=""/>
-        <a:cs typeface=""/>
-        <a:font script="Jpan" typeface="ＭＳ Ｐゴシック"/>
-        <a:font script="Hang" typeface="맑은 고딕"/>
-        <a:font script="Hans" typeface="宋体"/>
-        <a:font script="Hant" typeface="新細明體"/>
-        <a:font script="Arab" typeface="Arial"/>
-        <a:font script="Hebr" typeface="Arial"/>
-        <a:font script="Thai" typeface="Cordia New"/>
-        <a:font script="Ethi" typeface="Nyala"/>
-        <a:font script="Beng" typeface="Vrinda"/>
-        <a:font script="Gujr" typeface="Shruti"/>
-        <a:font script="Khmr" typeface="DaunPenh"/>
-        <a:font script="Knda" typeface="Tunga"/>
-        <a:font script="Guru" typeface="Raavi"/>
-        <a:font script="Cans" typeface="Euphemia"/>
-        <a:font script="Cher" typeface="Plantagenet Cherokee"/>
-        <a:font script="Yiii" typeface="Microsoft Yi Baiti"/>
-        <a:font script="Tibt" typeface="Microsoft Himalaya"/>
-        <a:font script="Thaa" typeface="MV Boli"/>
-        <a:font script="Deva" typeface="Mangal"/>
-        <a:font script="Telu" typeface="Gautami"/>
-        <a:font script="Taml" typeface="Latha"/>
-        <a:font script="Syrc" typeface="Estrangelo Edessa"/>
-        <a:font script="Orya" typeface="Kalinga"/>
-        <a:font script="Mlym" typeface="Kartika"/>
-        <a:font script="Laoo" typeface="DokChampa"/>
-        <a:font script="Sinh" typeface="Iskoola Pota"/>
-        <a:font script="Mong" typeface="Mongolian Baiti"/>
-        <a:font script="Viet" typeface="Arial"/>
-        <a:font script="Uigh" typeface="Microsoft Uighur"/>
-        <a:font script="Geor" typeface="Sylfaen"/>
-      </a:minorFont>
-    </a:fontScheme>
-    <a:fmtScheme name="Office">
-      <a:fillStyleLst>
-        <a:solidFill>
-          <a:schemeClr val="phClr"/>
-        </a:solidFill>
-        <a:gradFill rotWithShape="1">
-          <a:gsLst>
-            <a:gs pos="0">
-              <a:schemeClr val="phClr">
-                <a:tint val="50000"/>
-                <a:satMod val="300000"/>
-              </a:schemeClr>
-            </a:gs>
-            <a:gs pos="35000">
-              <a:schemeClr val="phClr">
-                <a:tint val="37000"/>
-                <a:satMod val="300000"/>
-              </a:schemeClr>
-            </a:gs>
-            <a:gs pos="100000">
-              <a:schemeClr val="phClr">
-                <a:tint val="15000"/>
-                <a:satMod val="350000"/>
-              </a:schemeClr>
-            </a:gs>
-          </a:gsLst>
-          <a:lin ang="16200000" scaled="1"/>
-        </a:gradFill>
-        <a:gradFill rotWithShape="1">
-          <a:gsLst>
-            <a:gs pos="0">
-              <a:schemeClr val="phClr">
-                <a:tint val="100000"/>
-                <a:shade val="100000"/>
-                <a:satMod val="130000"/>
-              </a:schemeClr>
-            </a:gs>
-            <a:gs pos="100000">
-              <a:schemeClr val="phClr">
-                <a:tint val="50000"/>
-                <a:shade val="100000"/>
-                <a:satMod val="350000"/>
-              </a:schemeClr>
-            </a:gs>
-          </a:gsLst>
-          <a:lin ang="16200000" scaled="0"/>
-        </a:gradFill>
-      </a:fillStyleLst>
-      <a:lnStyleLst>
-        <a:ln w="9525" cap="flat" cmpd="sng" algn="ctr">
-          <a:solidFill>
-            <a:schemeClr val="phClr">
-              <a:shade val="95000"/>
-              <a:satMod val="105000"/>
-            </a:schemeClr>
-          </a:solidFill>
-          <a:prstDash val="solid"/>
-        </a:ln>
-        <a:ln w="25400" cap="flat" cmpd="sng" algn="ctr">
-          <a:solidFill>
-            <a:schemeClr val="phClr"/>
-          </a:solidFill>
-          <a:prstDash val="solid"/>
-        </a:ln>
-        <a:ln w="38100" cap="flat" cmpd="sng" algn="ctr">
-          <a:solidFill>
-            <a:schemeClr val="phClr"/>
-          </a:solidFill>
-          <a:prstDash val="solid"/>
-        </a:ln>
-      </a:lnStyleLst>
-      <a:effectStyleLst>
-        <a:effectStyle>
-          <a:effectLst>
-            <a:outerShdw blurRad="40000" dist="20000" dir="5400000" rotWithShape="0">
-              <a:srgbClr val="000000">
-                <a:alpha val="38000"/>
-              </a:srgbClr>
-            </a:outerShdw>
-          </a:effectLst>
-        </a:effectStyle>
-        <a:effectStyle>
-          <a:effectLst>
-            <a:outerShdw blurRad="40000" dist="23000" dir="5400000" rotWithShape="0">
-              <a:srgbClr val="000000">
-                <a:alpha val="35000"/>
-              </a:srgbClr>
-            </a:outerShdw>
-          </a:effectLst>
-        </a:effectStyle>
-        <a:effectStyle>
-          <a:effectLst>
-            <a:outerShdw blurRad="40000" dist="23000" dir="5400000" rotWithShape="0">
-              <a:srgbClr val="000000">
-                <a:alpha val="35000"/>
-              </a:srgbClr>
-            </a:outerShdw>
-          </a:effectLst>
-          <a:scene3d>
-            <a:camera prst="orthographicFront">
-              <a:rot lat="0" lon="0" rev="0"/>
-            </a:camera>
-            <a:lightRig rig="threePt" dir="t">
-              <a:rot lat="0" lon="0" rev="1200000"/>
-            </a:lightRig>
-          </a:scene3d>
-          <a:sp3d>
-            <a:bevelT w="63500" h="25400"/>
-          </a:sp3d>
-        </a:effectStyle>
-      </a:effectStyleLst>
-      <a:bgFillStyleLst>
-        <a:solidFill>
-          <a:schemeClr val="phClr"/>
-        </a:solidFill>
-        <a:gradFill rotWithShape="1">
-          <a:gsLst>
-            <a:gs pos="0">
-              <a:schemeClr val="phClr">
-                <a:tint val="40000"/>
-                <a:satMod val="350000"/>
-              </a:schemeClr>
-            </a:gs>
-            <a:gs pos="40000">
-              <a:schemeClr val="phClr">
-                <a:tint val="45000"/>
-                <a:shade val="99000"/>
-                <a:satMod val="350000"/>
-              </a:schemeClr>
-            </a:gs>
-            <a:gs pos="100000">
-              <a:schemeClr val="phClr">
-                <a:shade val="20000"/>
-                <a:satMod val="255000"/>
-              </a:schemeClr>
-            </a:gs>
-          </a:gsLst>
-          <a:path path="circle">
-            <a:fillToRect l="50000" t="-80000" r="50000" b="180000"/>
-          </a:path>
-        </a:gradFill>
-        <a:gradFill rotWithShape="1">
-          <a:gsLst>
-            <a:gs pos="0">
-              <a:schemeClr val="phClr">
-                <a:tint val="80000"/>
-                <a:satMod val="300000"/>
-              </a:schemeClr>
-            </a:gs>
-            <a:gs pos="100000">
-              <a:schemeClr val="phClr">
-                <a:shade val="30000"/>
-                <a:satMod val="200000"/>
-              </a:schemeClr>
-            </a:gs>
-          </a:gsLst>
-          <a:path path="circle">
-            <a:fillToRect l="50000" t="50000" r="50000" b="50000"/>
-          </a:path>
-        </a:gradFill>
-      </a:bgFillStyleLst>
-    </a:fmtScheme>
-  </a:themeElements>
-</a:theme>
 </file>